--- a/homework3/Homework3.pptx
+++ b/homework3/Homework3.pptx
@@ -3,15 +3,16 @@
 <p:presentation xmlns:a="http://schemas.openxmlformats.org/drawingml/2006/main" xmlns:p="http://schemas.openxmlformats.org/presentationml/2006/main" xmlns:r="http://schemas.openxmlformats.org/officeDocument/2006/relationships">
   <p:sldMasterIdLst>
     <p:sldMasterId id="2147483648" r:id="rId2"/>
+    <p:sldMasterId id="2147483661" r:id="rId3"/>
   </p:sldMasterIdLst>
   <p:sldIdLst>
-    <p:sldId id="256" r:id="rId3"/>
-    <p:sldId id="257" r:id="rId4"/>
-    <p:sldId id="258" r:id="rId5"/>
-    <p:sldId id="259" r:id="rId6"/>
-    <p:sldId id="260" r:id="rId7"/>
-    <p:sldId id="261" r:id="rId8"/>
-    <p:sldId id="262" r:id="rId9"/>
+    <p:sldId id="256" r:id="rId4"/>
+    <p:sldId id="257" r:id="rId5"/>
+    <p:sldId id="258" r:id="rId6"/>
+    <p:sldId id="259" r:id="rId7"/>
+    <p:sldId id="260" r:id="rId8"/>
+    <p:sldId id="261" r:id="rId9"/>
+    <p:sldId id="262" r:id="rId10"/>
   </p:sldIdLst>
   <p:sldSz cx="10080625" cy="7559675"/>
   <p:notesSz cx="7772400" cy="10058400"/>
@@ -59,7 +60,7 @@
       </p:grpSpPr>
       <p:sp>
         <p:nvSpPr>
-          <p:cNvPr id="26" name="PlaceHolder 1"/>
+          <p:cNvPr id="23" name="PlaceHolder 1"/>
           <p:cNvSpPr>
             <a:spLocks noGrp="1"/>
           </p:cNvSpPr>
@@ -70,7 +71,7 @@
         <p:spPr>
           <a:xfrm>
             <a:off x="504000" y="301320"/>
-            <a:ext cx="9071640" cy="1262520"/>
+            <a:ext cx="9071280" cy="1262520"/>
           </a:xfrm>
           <a:prstGeom prst="rect">
             <a:avLst/>
@@ -86,7 +87,7 @@
       </p:sp>
       <p:sp>
         <p:nvSpPr>
-          <p:cNvPr id="27" name="PlaceHolder 2"/>
+          <p:cNvPr id="24" name="PlaceHolder 2"/>
           <p:cNvSpPr>
             <a:spLocks noGrp="1"/>
           </p:cNvSpPr>
@@ -97,22 +98,22 @@
         <p:spPr>
           <a:xfrm>
             <a:off x="504000" y="1769040"/>
-            <a:ext cx="9071640" cy="2091240"/>
-          </a:xfrm>
-          <a:prstGeom prst="rect">
-            <a:avLst/>
-          </a:prstGeom>
-        </p:spPr>
-        <p:txBody>
-          <a:bodyPr lIns="0" rIns="0" tIns="0" bIns="0"/>
-          <a:p>
-            <a:endParaRPr/>
-          </a:p>
-        </p:txBody>
-      </p:sp>
-      <p:sp>
-        <p:nvSpPr>
-          <p:cNvPr id="28" name="PlaceHolder 3"/>
+            <a:ext cx="9071280" cy="2090880"/>
+          </a:xfrm>
+          <a:prstGeom prst="rect">
+            <a:avLst/>
+          </a:prstGeom>
+        </p:spPr>
+        <p:txBody>
+          <a:bodyPr lIns="0" rIns="0" tIns="0" bIns="0"/>
+          <a:p>
+            <a:endParaRPr/>
+          </a:p>
+        </p:txBody>
+      </p:sp>
+      <p:sp>
+        <p:nvSpPr>
+          <p:cNvPr id="25" name="PlaceHolder 3"/>
           <p:cNvSpPr>
             <a:spLocks noGrp="1"/>
           </p:cNvSpPr>
@@ -122,8 +123,8 @@
         </p:nvSpPr>
         <p:spPr>
           <a:xfrm>
-            <a:off x="504000" y="4059360"/>
-            <a:ext cx="9071640" cy="2091240"/>
+            <a:off x="504000" y="4059000"/>
+            <a:ext cx="9071280" cy="2090880"/>
           </a:xfrm>
           <a:prstGeom prst="rect">
             <a:avLst/>
@@ -160,7 +161,7 @@
       </p:grpSpPr>
       <p:sp>
         <p:nvSpPr>
-          <p:cNvPr id="29" name="PlaceHolder 1"/>
+          <p:cNvPr id="26" name="PlaceHolder 1"/>
           <p:cNvSpPr>
             <a:spLocks noGrp="1"/>
           </p:cNvSpPr>
@@ -171,7 +172,7 @@
         <p:spPr>
           <a:xfrm>
             <a:off x="504000" y="301320"/>
-            <a:ext cx="9071640" cy="1262520"/>
+            <a:ext cx="9071280" cy="1262520"/>
           </a:xfrm>
           <a:prstGeom prst="rect">
             <a:avLst/>
@@ -187,7 +188,7 @@
       </p:sp>
       <p:sp>
         <p:nvSpPr>
-          <p:cNvPr id="30" name="PlaceHolder 2"/>
+          <p:cNvPr id="27" name="PlaceHolder 2"/>
           <p:cNvSpPr>
             <a:spLocks noGrp="1"/>
           </p:cNvSpPr>
@@ -198,22 +199,22 @@
         <p:spPr>
           <a:xfrm>
             <a:off x="504000" y="1769040"/>
-            <a:ext cx="4426920" cy="2091240"/>
-          </a:xfrm>
-          <a:prstGeom prst="rect">
-            <a:avLst/>
-          </a:prstGeom>
-        </p:spPr>
-        <p:txBody>
-          <a:bodyPr lIns="0" rIns="0" tIns="0" bIns="0"/>
-          <a:p>
-            <a:endParaRPr/>
-          </a:p>
-        </p:txBody>
-      </p:sp>
-      <p:sp>
-        <p:nvSpPr>
-          <p:cNvPr id="31" name="PlaceHolder 3"/>
+            <a:ext cx="4426560" cy="2090880"/>
+          </a:xfrm>
+          <a:prstGeom prst="rect">
+            <a:avLst/>
+          </a:prstGeom>
+        </p:spPr>
+        <p:txBody>
+          <a:bodyPr lIns="0" rIns="0" tIns="0" bIns="0"/>
+          <a:p>
+            <a:endParaRPr/>
+          </a:p>
+        </p:txBody>
+      </p:sp>
+      <p:sp>
+        <p:nvSpPr>
+          <p:cNvPr id="28" name="PlaceHolder 3"/>
           <p:cNvSpPr>
             <a:spLocks noGrp="1"/>
           </p:cNvSpPr>
@@ -223,23 +224,23 @@
         </p:nvSpPr>
         <p:spPr>
           <a:xfrm>
-            <a:off x="5152680" y="1769040"/>
-            <a:ext cx="4426920" cy="2091240"/>
-          </a:xfrm>
-          <a:prstGeom prst="rect">
-            <a:avLst/>
-          </a:prstGeom>
-        </p:spPr>
-        <p:txBody>
-          <a:bodyPr lIns="0" rIns="0" tIns="0" bIns="0"/>
-          <a:p>
-            <a:endParaRPr/>
-          </a:p>
-        </p:txBody>
-      </p:sp>
-      <p:sp>
-        <p:nvSpPr>
-          <p:cNvPr id="32" name="PlaceHolder 4"/>
+            <a:off x="5152320" y="1769040"/>
+            <a:ext cx="4426560" cy="2090880"/>
+          </a:xfrm>
+          <a:prstGeom prst="rect">
+            <a:avLst/>
+          </a:prstGeom>
+        </p:spPr>
+        <p:txBody>
+          <a:bodyPr lIns="0" rIns="0" tIns="0" bIns="0"/>
+          <a:p>
+            <a:endParaRPr/>
+          </a:p>
+        </p:txBody>
+      </p:sp>
+      <p:sp>
+        <p:nvSpPr>
+          <p:cNvPr id="29" name="PlaceHolder 4"/>
           <p:cNvSpPr>
             <a:spLocks noGrp="1"/>
           </p:cNvSpPr>
@@ -249,23 +250,23 @@
         </p:nvSpPr>
         <p:spPr>
           <a:xfrm>
-            <a:off x="5152680" y="4059360"/>
-            <a:ext cx="4426920" cy="2091240"/>
-          </a:xfrm>
-          <a:prstGeom prst="rect">
-            <a:avLst/>
-          </a:prstGeom>
-        </p:spPr>
-        <p:txBody>
-          <a:bodyPr lIns="0" rIns="0" tIns="0" bIns="0"/>
-          <a:p>
-            <a:endParaRPr/>
-          </a:p>
-        </p:txBody>
-      </p:sp>
-      <p:sp>
-        <p:nvSpPr>
-          <p:cNvPr id="33" name="PlaceHolder 5"/>
+            <a:off x="5152320" y="4059000"/>
+            <a:ext cx="4426560" cy="2090880"/>
+          </a:xfrm>
+          <a:prstGeom prst="rect">
+            <a:avLst/>
+          </a:prstGeom>
+        </p:spPr>
+        <p:txBody>
+          <a:bodyPr lIns="0" rIns="0" tIns="0" bIns="0"/>
+          <a:p>
+            <a:endParaRPr/>
+          </a:p>
+        </p:txBody>
+      </p:sp>
+      <p:sp>
+        <p:nvSpPr>
+          <p:cNvPr id="30" name="PlaceHolder 5"/>
           <p:cNvSpPr>
             <a:spLocks noGrp="1"/>
           </p:cNvSpPr>
@@ -275,8 +276,8 @@
         </p:nvSpPr>
         <p:spPr>
           <a:xfrm>
-            <a:off x="504000" y="4059360"/>
-            <a:ext cx="4426920" cy="2091240"/>
+            <a:off x="504000" y="4059000"/>
+            <a:ext cx="4426560" cy="2090880"/>
           </a:xfrm>
           <a:prstGeom prst="rect">
             <a:avLst/>
@@ -313,7 +314,7 @@
       </p:grpSpPr>
       <p:sp>
         <p:nvSpPr>
-          <p:cNvPr id="34" name="PlaceHolder 1"/>
+          <p:cNvPr id="31" name="PlaceHolder 1"/>
           <p:cNvSpPr>
             <a:spLocks noGrp="1"/>
           </p:cNvSpPr>
@@ -324,7 +325,7 @@
         <p:spPr>
           <a:xfrm>
             <a:off x="504000" y="301320"/>
-            <a:ext cx="9071640" cy="1262520"/>
+            <a:ext cx="9071280" cy="1262520"/>
           </a:xfrm>
           <a:prstGeom prst="rect">
             <a:avLst/>
@@ -340,7 +341,7 @@
       </p:sp>
       <p:sp>
         <p:nvSpPr>
-          <p:cNvPr id="35" name="PlaceHolder 2"/>
+          <p:cNvPr id="32" name="PlaceHolder 2"/>
           <p:cNvSpPr>
             <a:spLocks noGrp="1"/>
           </p:cNvSpPr>
@@ -351,22 +352,22 @@
         <p:spPr>
           <a:xfrm>
             <a:off x="504000" y="1769040"/>
-            <a:ext cx="9071640" cy="4384440"/>
-          </a:xfrm>
-          <a:prstGeom prst="rect">
-            <a:avLst/>
-          </a:prstGeom>
-        </p:spPr>
-        <p:txBody>
-          <a:bodyPr lIns="0" rIns="0" tIns="0" bIns="0"/>
-          <a:p>
-            <a:endParaRPr/>
-          </a:p>
-        </p:txBody>
-      </p:sp>
-      <p:sp>
-        <p:nvSpPr>
-          <p:cNvPr id="36" name="PlaceHolder 3"/>
+            <a:ext cx="9071280" cy="4384080"/>
+          </a:xfrm>
+          <a:prstGeom prst="rect">
+            <a:avLst/>
+          </a:prstGeom>
+        </p:spPr>
+        <p:txBody>
+          <a:bodyPr lIns="0" rIns="0" tIns="0" bIns="0"/>
+          <a:p>
+            <a:endParaRPr/>
+          </a:p>
+        </p:txBody>
+      </p:sp>
+      <p:sp>
+        <p:nvSpPr>
+          <p:cNvPr id="33" name="PlaceHolder 3"/>
           <p:cNvSpPr>
             <a:spLocks noGrp="1"/>
           </p:cNvSpPr>
@@ -377,7 +378,7 @@
         <p:spPr>
           <a:xfrm>
             <a:off x="504000" y="1769040"/>
-            <a:ext cx="9071640" cy="4384440"/>
+            <a:ext cx="9071280" cy="4384080"/>
           </a:xfrm>
           <a:prstGeom prst="rect">
             <a:avLst/>
@@ -392,7 +393,7 @@
       </p:sp>
       <p:pic>
         <p:nvPicPr>
-          <p:cNvPr id="37" name="" descr=""/>
+          <p:cNvPr id="34" name="" descr=""/>
           <p:cNvPicPr/>
           <p:nvPr/>
         </p:nvPicPr>
@@ -404,8 +405,8 @@
         </p:blipFill>
         <p:spPr>
           <a:xfrm>
-            <a:off x="2292120" y="1768680"/>
-            <a:ext cx="5495040" cy="4384440"/>
+            <a:off x="2292120" y="1769040"/>
+            <a:ext cx="5494680" cy="4384080"/>
           </a:xfrm>
           <a:prstGeom prst="rect">
             <a:avLst/>
@@ -417,7 +418,7 @@
       </p:pic>
       <p:pic>
         <p:nvPicPr>
-          <p:cNvPr id="38" name="" descr=""/>
+          <p:cNvPr id="35" name="" descr=""/>
           <p:cNvPicPr/>
           <p:nvPr/>
         </p:nvPicPr>
@@ -429,8 +430,8 @@
         </p:blipFill>
         <p:spPr>
           <a:xfrm>
-            <a:off x="2292120" y="1768680"/>
-            <a:ext cx="5495040" cy="4384440"/>
+            <a:off x="2292120" y="1769040"/>
+            <a:ext cx="5494680" cy="4384080"/>
           </a:xfrm>
           <a:prstGeom prst="rect">
             <a:avLst/>
@@ -440,6 +441,505 @@
           </a:ln>
         </p:spPr>
       </p:pic>
+    </p:spTree>
+  </p:cSld>
+</p:sldLayout>
+</file>
+
+<file path=ppt/slideLayouts/slideLayout13.xml><?xml version="1.0" encoding="utf-8"?>
+<p:sldLayout xmlns:a="http://schemas.openxmlformats.org/drawingml/2006/main" xmlns:p="http://schemas.openxmlformats.org/presentationml/2006/main" xmlns:r="http://schemas.openxmlformats.org/officeDocument/2006/relationships" type="blank" preserve="1">
+  <p:cSld name="Blank Slide">
+    <p:spTree>
+      <p:nvGrpSpPr>
+        <p:cNvPr id="1" name=""/>
+        <p:cNvGrpSpPr/>
+        <p:nvPr/>
+      </p:nvGrpSpPr>
+      <p:grpSpPr>
+        <a:xfrm>
+          <a:off x="0" y="0"/>
+          <a:ext cx="0" cy="0"/>
+          <a:chOff x="0" y="0"/>
+          <a:chExt cx="0" cy="0"/>
+        </a:xfrm>
+      </p:grpSpPr>
+    </p:spTree>
+  </p:cSld>
+</p:sldLayout>
+</file>
+
+<file path=ppt/slideLayouts/slideLayout14.xml><?xml version="1.0" encoding="utf-8"?>
+<p:sldLayout xmlns:a="http://schemas.openxmlformats.org/drawingml/2006/main" xmlns:p="http://schemas.openxmlformats.org/presentationml/2006/main" xmlns:r="http://schemas.openxmlformats.org/officeDocument/2006/relationships" type="tx" preserve="1">
+  <p:cSld name="Title Slide">
+    <p:spTree>
+      <p:nvGrpSpPr>
+        <p:cNvPr id="1" name=""/>
+        <p:cNvGrpSpPr/>
+        <p:nvPr/>
+      </p:nvGrpSpPr>
+      <p:grpSpPr>
+        <a:xfrm>
+          <a:off x="0" y="0"/>
+          <a:ext cx="0" cy="0"/>
+          <a:chOff x="0" y="0"/>
+          <a:chExt cx="0" cy="0"/>
+        </a:xfrm>
+      </p:grpSpPr>
+      <p:sp>
+        <p:nvSpPr>
+          <p:cNvPr id="38" name="PlaceHolder 1"/>
+          <p:cNvSpPr>
+            <a:spLocks noGrp="1"/>
+          </p:cNvSpPr>
+          <p:nvPr>
+            <p:ph type="title"/>
+          </p:nvPr>
+        </p:nvSpPr>
+        <p:spPr>
+          <a:xfrm>
+            <a:off x="504000" y="301320"/>
+            <a:ext cx="9071280" cy="1262520"/>
+          </a:xfrm>
+          <a:prstGeom prst="rect">
+            <a:avLst/>
+          </a:prstGeom>
+        </p:spPr>
+        <p:txBody>
+          <a:bodyPr lIns="0" rIns="0" tIns="0" bIns="0" anchor="ctr"/>
+          <a:p>
+            <a:pPr algn="ctr"/>
+            <a:endParaRPr/>
+          </a:p>
+        </p:txBody>
+      </p:sp>
+      <p:sp>
+        <p:nvSpPr>
+          <p:cNvPr id="39" name="PlaceHolder 2"/>
+          <p:cNvSpPr>
+            <a:spLocks noGrp="1"/>
+          </p:cNvSpPr>
+          <p:nvPr>
+            <p:ph type="subTitle"/>
+          </p:nvPr>
+        </p:nvSpPr>
+        <p:spPr>
+          <a:xfrm>
+            <a:off x="504000" y="1769040"/>
+            <a:ext cx="9071280" cy="4384440"/>
+          </a:xfrm>
+          <a:prstGeom prst="rect">
+            <a:avLst/>
+          </a:prstGeom>
+        </p:spPr>
+        <p:txBody>
+          <a:bodyPr lIns="0" rIns="0" tIns="0" bIns="0" anchor="ctr"/>
+          <a:p>
+            <a:pPr algn="ctr"/>
+            <a:endParaRPr/>
+          </a:p>
+        </p:txBody>
+      </p:sp>
+    </p:spTree>
+  </p:cSld>
+</p:sldLayout>
+</file>
+
+<file path=ppt/slideLayouts/slideLayout15.xml><?xml version="1.0" encoding="utf-8"?>
+<p:sldLayout xmlns:a="http://schemas.openxmlformats.org/drawingml/2006/main" xmlns:p="http://schemas.openxmlformats.org/presentationml/2006/main" xmlns:r="http://schemas.openxmlformats.org/officeDocument/2006/relationships" type="obj" preserve="1">
+  <p:cSld name="Title, Content">
+    <p:spTree>
+      <p:nvGrpSpPr>
+        <p:cNvPr id="1" name=""/>
+        <p:cNvGrpSpPr/>
+        <p:nvPr/>
+      </p:nvGrpSpPr>
+      <p:grpSpPr>
+        <a:xfrm>
+          <a:off x="0" y="0"/>
+          <a:ext cx="0" cy="0"/>
+          <a:chOff x="0" y="0"/>
+          <a:chExt cx="0" cy="0"/>
+        </a:xfrm>
+      </p:grpSpPr>
+      <p:sp>
+        <p:nvSpPr>
+          <p:cNvPr id="40" name="PlaceHolder 1"/>
+          <p:cNvSpPr>
+            <a:spLocks noGrp="1"/>
+          </p:cNvSpPr>
+          <p:nvPr>
+            <p:ph type="title"/>
+          </p:nvPr>
+        </p:nvSpPr>
+        <p:spPr>
+          <a:xfrm>
+            <a:off x="504000" y="301320"/>
+            <a:ext cx="9071280" cy="1262520"/>
+          </a:xfrm>
+          <a:prstGeom prst="rect">
+            <a:avLst/>
+          </a:prstGeom>
+        </p:spPr>
+        <p:txBody>
+          <a:bodyPr lIns="0" rIns="0" tIns="0" bIns="0" anchor="ctr"/>
+          <a:p>
+            <a:pPr algn="ctr"/>
+            <a:endParaRPr/>
+          </a:p>
+        </p:txBody>
+      </p:sp>
+      <p:sp>
+        <p:nvSpPr>
+          <p:cNvPr id="41" name="PlaceHolder 2"/>
+          <p:cNvSpPr>
+            <a:spLocks noGrp="1"/>
+          </p:cNvSpPr>
+          <p:nvPr>
+            <p:ph type="body"/>
+          </p:nvPr>
+        </p:nvSpPr>
+        <p:spPr>
+          <a:xfrm>
+            <a:off x="504000" y="1769040"/>
+            <a:ext cx="9071280" cy="4384080"/>
+          </a:xfrm>
+          <a:prstGeom prst="rect">
+            <a:avLst/>
+          </a:prstGeom>
+        </p:spPr>
+        <p:txBody>
+          <a:bodyPr lIns="0" rIns="0" tIns="0" bIns="0"/>
+          <a:p>
+            <a:endParaRPr/>
+          </a:p>
+        </p:txBody>
+      </p:sp>
+    </p:spTree>
+  </p:cSld>
+</p:sldLayout>
+</file>
+
+<file path=ppt/slideLayouts/slideLayout16.xml><?xml version="1.0" encoding="utf-8"?>
+<p:sldLayout xmlns:a="http://schemas.openxmlformats.org/drawingml/2006/main" xmlns:p="http://schemas.openxmlformats.org/presentationml/2006/main" xmlns:r="http://schemas.openxmlformats.org/officeDocument/2006/relationships" type="twoObj" preserve="1">
+  <p:cSld name="Title, 2 Content">
+    <p:spTree>
+      <p:nvGrpSpPr>
+        <p:cNvPr id="1" name=""/>
+        <p:cNvGrpSpPr/>
+        <p:nvPr/>
+      </p:nvGrpSpPr>
+      <p:grpSpPr>
+        <a:xfrm>
+          <a:off x="0" y="0"/>
+          <a:ext cx="0" cy="0"/>
+          <a:chOff x="0" y="0"/>
+          <a:chExt cx="0" cy="0"/>
+        </a:xfrm>
+      </p:grpSpPr>
+      <p:sp>
+        <p:nvSpPr>
+          <p:cNvPr id="42" name="PlaceHolder 1"/>
+          <p:cNvSpPr>
+            <a:spLocks noGrp="1"/>
+          </p:cNvSpPr>
+          <p:nvPr>
+            <p:ph type="title"/>
+          </p:nvPr>
+        </p:nvSpPr>
+        <p:spPr>
+          <a:xfrm>
+            <a:off x="504000" y="301320"/>
+            <a:ext cx="9071280" cy="1262520"/>
+          </a:xfrm>
+          <a:prstGeom prst="rect">
+            <a:avLst/>
+          </a:prstGeom>
+        </p:spPr>
+        <p:txBody>
+          <a:bodyPr lIns="0" rIns="0" tIns="0" bIns="0" anchor="ctr"/>
+          <a:p>
+            <a:pPr algn="ctr"/>
+            <a:endParaRPr/>
+          </a:p>
+        </p:txBody>
+      </p:sp>
+      <p:sp>
+        <p:nvSpPr>
+          <p:cNvPr id="43" name="PlaceHolder 2"/>
+          <p:cNvSpPr>
+            <a:spLocks noGrp="1"/>
+          </p:cNvSpPr>
+          <p:nvPr>
+            <p:ph type="body"/>
+          </p:nvPr>
+        </p:nvSpPr>
+        <p:spPr>
+          <a:xfrm>
+            <a:off x="504000" y="1769040"/>
+            <a:ext cx="4426560" cy="4384080"/>
+          </a:xfrm>
+          <a:prstGeom prst="rect">
+            <a:avLst/>
+          </a:prstGeom>
+        </p:spPr>
+        <p:txBody>
+          <a:bodyPr lIns="0" rIns="0" tIns="0" bIns="0"/>
+          <a:p>
+            <a:endParaRPr/>
+          </a:p>
+        </p:txBody>
+      </p:sp>
+      <p:sp>
+        <p:nvSpPr>
+          <p:cNvPr id="44" name="PlaceHolder 3"/>
+          <p:cNvSpPr>
+            <a:spLocks noGrp="1"/>
+          </p:cNvSpPr>
+          <p:nvPr>
+            <p:ph type="body"/>
+          </p:nvPr>
+        </p:nvSpPr>
+        <p:spPr>
+          <a:xfrm>
+            <a:off x="5152320" y="1769040"/>
+            <a:ext cx="4426560" cy="4384080"/>
+          </a:xfrm>
+          <a:prstGeom prst="rect">
+            <a:avLst/>
+          </a:prstGeom>
+        </p:spPr>
+        <p:txBody>
+          <a:bodyPr lIns="0" rIns="0" tIns="0" bIns="0"/>
+          <a:p>
+            <a:endParaRPr/>
+          </a:p>
+        </p:txBody>
+      </p:sp>
+    </p:spTree>
+  </p:cSld>
+</p:sldLayout>
+</file>
+
+<file path=ppt/slideLayouts/slideLayout17.xml><?xml version="1.0" encoding="utf-8"?>
+<p:sldLayout xmlns:a="http://schemas.openxmlformats.org/drawingml/2006/main" xmlns:p="http://schemas.openxmlformats.org/presentationml/2006/main" xmlns:r="http://schemas.openxmlformats.org/officeDocument/2006/relationships" type="titleOnly" preserve="1">
+  <p:cSld name="Title Only">
+    <p:spTree>
+      <p:nvGrpSpPr>
+        <p:cNvPr id="1" name=""/>
+        <p:cNvGrpSpPr/>
+        <p:nvPr/>
+      </p:nvGrpSpPr>
+      <p:grpSpPr>
+        <a:xfrm>
+          <a:off x="0" y="0"/>
+          <a:ext cx="0" cy="0"/>
+          <a:chOff x="0" y="0"/>
+          <a:chExt cx="0" cy="0"/>
+        </a:xfrm>
+      </p:grpSpPr>
+      <p:sp>
+        <p:nvSpPr>
+          <p:cNvPr id="45" name="PlaceHolder 1"/>
+          <p:cNvSpPr>
+            <a:spLocks noGrp="1"/>
+          </p:cNvSpPr>
+          <p:nvPr>
+            <p:ph type="title"/>
+          </p:nvPr>
+        </p:nvSpPr>
+        <p:spPr>
+          <a:xfrm>
+            <a:off x="504000" y="301320"/>
+            <a:ext cx="9071280" cy="1262520"/>
+          </a:xfrm>
+          <a:prstGeom prst="rect">
+            <a:avLst/>
+          </a:prstGeom>
+        </p:spPr>
+        <p:txBody>
+          <a:bodyPr lIns="0" rIns="0" tIns="0" bIns="0" anchor="ctr"/>
+          <a:p>
+            <a:pPr algn="ctr"/>
+            <a:endParaRPr/>
+          </a:p>
+        </p:txBody>
+      </p:sp>
+    </p:spTree>
+  </p:cSld>
+</p:sldLayout>
+</file>
+
+<file path=ppt/slideLayouts/slideLayout18.xml><?xml version="1.0" encoding="utf-8"?>
+<p:sldLayout xmlns:a="http://schemas.openxmlformats.org/drawingml/2006/main" xmlns:p="http://schemas.openxmlformats.org/presentationml/2006/main" xmlns:r="http://schemas.openxmlformats.org/officeDocument/2006/relationships" type="objOnly" preserve="1">
+  <p:cSld name="Centered Text">
+    <p:spTree>
+      <p:nvGrpSpPr>
+        <p:cNvPr id="1" name=""/>
+        <p:cNvGrpSpPr/>
+        <p:nvPr/>
+      </p:nvGrpSpPr>
+      <p:grpSpPr>
+        <a:xfrm>
+          <a:off x="0" y="0"/>
+          <a:ext cx="0" cy="0"/>
+          <a:chOff x="0" y="0"/>
+          <a:chExt cx="0" cy="0"/>
+        </a:xfrm>
+      </p:grpSpPr>
+      <p:sp>
+        <p:nvSpPr>
+          <p:cNvPr id="46" name="PlaceHolder 1"/>
+          <p:cNvSpPr>
+            <a:spLocks noGrp="1"/>
+          </p:cNvSpPr>
+          <p:nvPr>
+            <p:ph type="subTitle"/>
+          </p:nvPr>
+        </p:nvSpPr>
+        <p:spPr>
+          <a:xfrm>
+            <a:off x="504000" y="301320"/>
+            <a:ext cx="9071280" cy="5852160"/>
+          </a:xfrm>
+          <a:prstGeom prst="rect">
+            <a:avLst/>
+          </a:prstGeom>
+        </p:spPr>
+        <p:txBody>
+          <a:bodyPr lIns="0" rIns="0" tIns="0" bIns="0" anchor="ctr"/>
+          <a:p>
+            <a:pPr algn="ctr"/>
+            <a:endParaRPr/>
+          </a:p>
+        </p:txBody>
+      </p:sp>
+    </p:spTree>
+  </p:cSld>
+</p:sldLayout>
+</file>
+
+<file path=ppt/slideLayouts/slideLayout19.xml><?xml version="1.0" encoding="utf-8"?>
+<p:sldLayout xmlns:a="http://schemas.openxmlformats.org/drawingml/2006/main" xmlns:p="http://schemas.openxmlformats.org/presentationml/2006/main" xmlns:r="http://schemas.openxmlformats.org/officeDocument/2006/relationships" type="twoObjAndObj" preserve="1">
+  <p:cSld name="Title, 2 Content and Content">
+    <p:spTree>
+      <p:nvGrpSpPr>
+        <p:cNvPr id="1" name=""/>
+        <p:cNvGrpSpPr/>
+        <p:nvPr/>
+      </p:nvGrpSpPr>
+      <p:grpSpPr>
+        <a:xfrm>
+          <a:off x="0" y="0"/>
+          <a:ext cx="0" cy="0"/>
+          <a:chOff x="0" y="0"/>
+          <a:chExt cx="0" cy="0"/>
+        </a:xfrm>
+      </p:grpSpPr>
+      <p:sp>
+        <p:nvSpPr>
+          <p:cNvPr id="47" name="PlaceHolder 1"/>
+          <p:cNvSpPr>
+            <a:spLocks noGrp="1"/>
+          </p:cNvSpPr>
+          <p:nvPr>
+            <p:ph type="title"/>
+          </p:nvPr>
+        </p:nvSpPr>
+        <p:spPr>
+          <a:xfrm>
+            <a:off x="504000" y="301320"/>
+            <a:ext cx="9071280" cy="1262520"/>
+          </a:xfrm>
+          <a:prstGeom prst="rect">
+            <a:avLst/>
+          </a:prstGeom>
+        </p:spPr>
+        <p:txBody>
+          <a:bodyPr lIns="0" rIns="0" tIns="0" bIns="0" anchor="ctr"/>
+          <a:p>
+            <a:pPr algn="ctr"/>
+            <a:endParaRPr/>
+          </a:p>
+        </p:txBody>
+      </p:sp>
+      <p:sp>
+        <p:nvSpPr>
+          <p:cNvPr id="48" name="PlaceHolder 2"/>
+          <p:cNvSpPr>
+            <a:spLocks noGrp="1"/>
+          </p:cNvSpPr>
+          <p:nvPr>
+            <p:ph type="body"/>
+          </p:nvPr>
+        </p:nvSpPr>
+        <p:spPr>
+          <a:xfrm>
+            <a:off x="504000" y="1769040"/>
+            <a:ext cx="4426560" cy="2090880"/>
+          </a:xfrm>
+          <a:prstGeom prst="rect">
+            <a:avLst/>
+          </a:prstGeom>
+        </p:spPr>
+        <p:txBody>
+          <a:bodyPr lIns="0" rIns="0" tIns="0" bIns="0"/>
+          <a:p>
+            <a:endParaRPr/>
+          </a:p>
+        </p:txBody>
+      </p:sp>
+      <p:sp>
+        <p:nvSpPr>
+          <p:cNvPr id="49" name="PlaceHolder 3"/>
+          <p:cNvSpPr>
+            <a:spLocks noGrp="1"/>
+          </p:cNvSpPr>
+          <p:nvPr>
+            <p:ph type="body"/>
+          </p:nvPr>
+        </p:nvSpPr>
+        <p:spPr>
+          <a:xfrm>
+            <a:off x="504000" y="4059000"/>
+            <a:ext cx="4426560" cy="2090880"/>
+          </a:xfrm>
+          <a:prstGeom prst="rect">
+            <a:avLst/>
+          </a:prstGeom>
+        </p:spPr>
+        <p:txBody>
+          <a:bodyPr lIns="0" rIns="0" tIns="0" bIns="0"/>
+          <a:p>
+            <a:endParaRPr/>
+          </a:p>
+        </p:txBody>
+      </p:sp>
+      <p:sp>
+        <p:nvSpPr>
+          <p:cNvPr id="50" name="PlaceHolder 4"/>
+          <p:cNvSpPr>
+            <a:spLocks noGrp="1"/>
+          </p:cNvSpPr>
+          <p:nvPr>
+            <p:ph type="body"/>
+          </p:nvPr>
+        </p:nvSpPr>
+        <p:spPr>
+          <a:xfrm>
+            <a:off x="5152320" y="1769040"/>
+            <a:ext cx="4426560" cy="4384080"/>
+          </a:xfrm>
+          <a:prstGeom prst="rect">
+            <a:avLst/>
+          </a:prstGeom>
+        </p:spPr>
+        <p:txBody>
+          <a:bodyPr lIns="0" rIns="0" tIns="0" bIns="0"/>
+          <a:p>
+            <a:endParaRPr/>
+          </a:p>
+        </p:txBody>
+      </p:sp>
     </p:spTree>
   </p:cSld>
 </p:sldLayout>
@@ -464,7 +964,7 @@
       </p:grpSpPr>
       <p:sp>
         <p:nvSpPr>
-          <p:cNvPr id="5" name="PlaceHolder 1"/>
+          <p:cNvPr id="2" name="PlaceHolder 1"/>
           <p:cNvSpPr>
             <a:spLocks noGrp="1"/>
           </p:cNvSpPr>
@@ -475,7 +975,7 @@
         <p:spPr>
           <a:xfrm>
             <a:off x="504000" y="301320"/>
-            <a:ext cx="9071640" cy="1262520"/>
+            <a:ext cx="9071280" cy="1262520"/>
           </a:xfrm>
           <a:prstGeom prst="rect">
             <a:avLst/>
@@ -491,7 +991,7 @@
       </p:sp>
       <p:sp>
         <p:nvSpPr>
-          <p:cNvPr id="6" name="PlaceHolder 2"/>
+          <p:cNvPr id="3" name="PlaceHolder 2"/>
           <p:cNvSpPr>
             <a:spLocks noGrp="1"/>
           </p:cNvSpPr>
@@ -502,7 +1002,7 @@
         <p:spPr>
           <a:xfrm>
             <a:off x="504000" y="1769040"/>
-            <a:ext cx="9071640" cy="4384800"/>
+            <a:ext cx="9071280" cy="4384440"/>
           </a:xfrm>
           <a:prstGeom prst="rect">
             <a:avLst/>
@@ -516,6 +1016,665 @@
           </a:p>
         </p:txBody>
       </p:sp>
+    </p:spTree>
+  </p:cSld>
+</p:sldLayout>
+</file>
+
+<file path=ppt/slideLayouts/slideLayout20.xml><?xml version="1.0" encoding="utf-8"?>
+<p:sldLayout xmlns:a="http://schemas.openxmlformats.org/drawingml/2006/main" xmlns:p="http://schemas.openxmlformats.org/presentationml/2006/main" xmlns:r="http://schemas.openxmlformats.org/officeDocument/2006/relationships" type="objAndTwoObj" preserve="1">
+  <p:cSld name="Title Content and 2 Content">
+    <p:spTree>
+      <p:nvGrpSpPr>
+        <p:cNvPr id="1" name=""/>
+        <p:cNvGrpSpPr/>
+        <p:nvPr/>
+      </p:nvGrpSpPr>
+      <p:grpSpPr>
+        <a:xfrm>
+          <a:off x="0" y="0"/>
+          <a:ext cx="0" cy="0"/>
+          <a:chOff x="0" y="0"/>
+          <a:chExt cx="0" cy="0"/>
+        </a:xfrm>
+      </p:grpSpPr>
+      <p:sp>
+        <p:nvSpPr>
+          <p:cNvPr id="51" name="PlaceHolder 1"/>
+          <p:cNvSpPr>
+            <a:spLocks noGrp="1"/>
+          </p:cNvSpPr>
+          <p:nvPr>
+            <p:ph type="title"/>
+          </p:nvPr>
+        </p:nvSpPr>
+        <p:spPr>
+          <a:xfrm>
+            <a:off x="504000" y="301320"/>
+            <a:ext cx="9071280" cy="1262520"/>
+          </a:xfrm>
+          <a:prstGeom prst="rect">
+            <a:avLst/>
+          </a:prstGeom>
+        </p:spPr>
+        <p:txBody>
+          <a:bodyPr lIns="0" rIns="0" tIns="0" bIns="0" anchor="ctr"/>
+          <a:p>
+            <a:pPr algn="ctr"/>
+            <a:endParaRPr/>
+          </a:p>
+        </p:txBody>
+      </p:sp>
+      <p:sp>
+        <p:nvSpPr>
+          <p:cNvPr id="52" name="PlaceHolder 2"/>
+          <p:cNvSpPr>
+            <a:spLocks noGrp="1"/>
+          </p:cNvSpPr>
+          <p:nvPr>
+            <p:ph type="body"/>
+          </p:nvPr>
+        </p:nvSpPr>
+        <p:spPr>
+          <a:xfrm>
+            <a:off x="504000" y="1769040"/>
+            <a:ext cx="4426560" cy="4384080"/>
+          </a:xfrm>
+          <a:prstGeom prst="rect">
+            <a:avLst/>
+          </a:prstGeom>
+        </p:spPr>
+        <p:txBody>
+          <a:bodyPr lIns="0" rIns="0" tIns="0" bIns="0"/>
+          <a:p>
+            <a:endParaRPr/>
+          </a:p>
+        </p:txBody>
+      </p:sp>
+      <p:sp>
+        <p:nvSpPr>
+          <p:cNvPr id="53" name="PlaceHolder 3"/>
+          <p:cNvSpPr>
+            <a:spLocks noGrp="1"/>
+          </p:cNvSpPr>
+          <p:nvPr>
+            <p:ph type="body"/>
+          </p:nvPr>
+        </p:nvSpPr>
+        <p:spPr>
+          <a:xfrm>
+            <a:off x="5152320" y="1769040"/>
+            <a:ext cx="4426560" cy="2090880"/>
+          </a:xfrm>
+          <a:prstGeom prst="rect">
+            <a:avLst/>
+          </a:prstGeom>
+        </p:spPr>
+        <p:txBody>
+          <a:bodyPr lIns="0" rIns="0" tIns="0" bIns="0"/>
+          <a:p>
+            <a:endParaRPr/>
+          </a:p>
+        </p:txBody>
+      </p:sp>
+      <p:sp>
+        <p:nvSpPr>
+          <p:cNvPr id="54" name="PlaceHolder 4"/>
+          <p:cNvSpPr>
+            <a:spLocks noGrp="1"/>
+          </p:cNvSpPr>
+          <p:nvPr>
+            <p:ph type="body"/>
+          </p:nvPr>
+        </p:nvSpPr>
+        <p:spPr>
+          <a:xfrm>
+            <a:off x="5152320" y="4059000"/>
+            <a:ext cx="4426560" cy="2090880"/>
+          </a:xfrm>
+          <a:prstGeom prst="rect">
+            <a:avLst/>
+          </a:prstGeom>
+        </p:spPr>
+        <p:txBody>
+          <a:bodyPr lIns="0" rIns="0" tIns="0" bIns="0"/>
+          <a:p>
+            <a:endParaRPr/>
+          </a:p>
+        </p:txBody>
+      </p:sp>
+    </p:spTree>
+  </p:cSld>
+</p:sldLayout>
+</file>
+
+<file path=ppt/slideLayouts/slideLayout21.xml><?xml version="1.0" encoding="utf-8"?>
+<p:sldLayout xmlns:a="http://schemas.openxmlformats.org/drawingml/2006/main" xmlns:p="http://schemas.openxmlformats.org/presentationml/2006/main" xmlns:r="http://schemas.openxmlformats.org/officeDocument/2006/relationships" type="twoObjOverTx" preserve="1">
+  <p:cSld name="Title, 2 Content over Content">
+    <p:spTree>
+      <p:nvGrpSpPr>
+        <p:cNvPr id="1" name=""/>
+        <p:cNvGrpSpPr/>
+        <p:nvPr/>
+      </p:nvGrpSpPr>
+      <p:grpSpPr>
+        <a:xfrm>
+          <a:off x="0" y="0"/>
+          <a:ext cx="0" cy="0"/>
+          <a:chOff x="0" y="0"/>
+          <a:chExt cx="0" cy="0"/>
+        </a:xfrm>
+      </p:grpSpPr>
+      <p:sp>
+        <p:nvSpPr>
+          <p:cNvPr id="55" name="PlaceHolder 1"/>
+          <p:cNvSpPr>
+            <a:spLocks noGrp="1"/>
+          </p:cNvSpPr>
+          <p:nvPr>
+            <p:ph type="title"/>
+          </p:nvPr>
+        </p:nvSpPr>
+        <p:spPr>
+          <a:xfrm>
+            <a:off x="504000" y="301320"/>
+            <a:ext cx="9071280" cy="1262520"/>
+          </a:xfrm>
+          <a:prstGeom prst="rect">
+            <a:avLst/>
+          </a:prstGeom>
+        </p:spPr>
+        <p:txBody>
+          <a:bodyPr lIns="0" rIns="0" tIns="0" bIns="0" anchor="ctr"/>
+          <a:p>
+            <a:pPr algn="ctr"/>
+            <a:endParaRPr/>
+          </a:p>
+        </p:txBody>
+      </p:sp>
+      <p:sp>
+        <p:nvSpPr>
+          <p:cNvPr id="56" name="PlaceHolder 2"/>
+          <p:cNvSpPr>
+            <a:spLocks noGrp="1"/>
+          </p:cNvSpPr>
+          <p:nvPr>
+            <p:ph type="body"/>
+          </p:nvPr>
+        </p:nvSpPr>
+        <p:spPr>
+          <a:xfrm>
+            <a:off x="504000" y="1769040"/>
+            <a:ext cx="4426560" cy="2090880"/>
+          </a:xfrm>
+          <a:prstGeom prst="rect">
+            <a:avLst/>
+          </a:prstGeom>
+        </p:spPr>
+        <p:txBody>
+          <a:bodyPr lIns="0" rIns="0" tIns="0" bIns="0"/>
+          <a:p>
+            <a:endParaRPr/>
+          </a:p>
+        </p:txBody>
+      </p:sp>
+      <p:sp>
+        <p:nvSpPr>
+          <p:cNvPr id="57" name="PlaceHolder 3"/>
+          <p:cNvSpPr>
+            <a:spLocks noGrp="1"/>
+          </p:cNvSpPr>
+          <p:nvPr>
+            <p:ph type="body"/>
+          </p:nvPr>
+        </p:nvSpPr>
+        <p:spPr>
+          <a:xfrm>
+            <a:off x="5152320" y="1769040"/>
+            <a:ext cx="4426560" cy="2090880"/>
+          </a:xfrm>
+          <a:prstGeom prst="rect">
+            <a:avLst/>
+          </a:prstGeom>
+        </p:spPr>
+        <p:txBody>
+          <a:bodyPr lIns="0" rIns="0" tIns="0" bIns="0"/>
+          <a:p>
+            <a:endParaRPr/>
+          </a:p>
+        </p:txBody>
+      </p:sp>
+      <p:sp>
+        <p:nvSpPr>
+          <p:cNvPr id="58" name="PlaceHolder 4"/>
+          <p:cNvSpPr>
+            <a:spLocks noGrp="1"/>
+          </p:cNvSpPr>
+          <p:nvPr>
+            <p:ph type="body"/>
+          </p:nvPr>
+        </p:nvSpPr>
+        <p:spPr>
+          <a:xfrm>
+            <a:off x="504000" y="4059000"/>
+            <a:ext cx="9071280" cy="2090880"/>
+          </a:xfrm>
+          <a:prstGeom prst="rect">
+            <a:avLst/>
+          </a:prstGeom>
+        </p:spPr>
+        <p:txBody>
+          <a:bodyPr lIns="0" rIns="0" tIns="0" bIns="0"/>
+          <a:p>
+            <a:endParaRPr/>
+          </a:p>
+        </p:txBody>
+      </p:sp>
+    </p:spTree>
+  </p:cSld>
+</p:sldLayout>
+</file>
+
+<file path=ppt/slideLayouts/slideLayout22.xml><?xml version="1.0" encoding="utf-8"?>
+<p:sldLayout xmlns:a="http://schemas.openxmlformats.org/drawingml/2006/main" xmlns:p="http://schemas.openxmlformats.org/presentationml/2006/main" xmlns:r="http://schemas.openxmlformats.org/officeDocument/2006/relationships" type="objOverTx" preserve="1">
+  <p:cSld name="Title, Content over Content">
+    <p:spTree>
+      <p:nvGrpSpPr>
+        <p:cNvPr id="1" name=""/>
+        <p:cNvGrpSpPr/>
+        <p:nvPr/>
+      </p:nvGrpSpPr>
+      <p:grpSpPr>
+        <a:xfrm>
+          <a:off x="0" y="0"/>
+          <a:ext cx="0" cy="0"/>
+          <a:chOff x="0" y="0"/>
+          <a:chExt cx="0" cy="0"/>
+        </a:xfrm>
+      </p:grpSpPr>
+      <p:sp>
+        <p:nvSpPr>
+          <p:cNvPr id="59" name="PlaceHolder 1"/>
+          <p:cNvSpPr>
+            <a:spLocks noGrp="1"/>
+          </p:cNvSpPr>
+          <p:nvPr>
+            <p:ph type="title"/>
+          </p:nvPr>
+        </p:nvSpPr>
+        <p:spPr>
+          <a:xfrm>
+            <a:off x="504000" y="301320"/>
+            <a:ext cx="9071280" cy="1262520"/>
+          </a:xfrm>
+          <a:prstGeom prst="rect">
+            <a:avLst/>
+          </a:prstGeom>
+        </p:spPr>
+        <p:txBody>
+          <a:bodyPr lIns="0" rIns="0" tIns="0" bIns="0" anchor="ctr"/>
+          <a:p>
+            <a:pPr algn="ctr"/>
+            <a:endParaRPr/>
+          </a:p>
+        </p:txBody>
+      </p:sp>
+      <p:sp>
+        <p:nvSpPr>
+          <p:cNvPr id="60" name="PlaceHolder 2"/>
+          <p:cNvSpPr>
+            <a:spLocks noGrp="1"/>
+          </p:cNvSpPr>
+          <p:nvPr>
+            <p:ph type="body"/>
+          </p:nvPr>
+        </p:nvSpPr>
+        <p:spPr>
+          <a:xfrm>
+            <a:off x="504000" y="1769040"/>
+            <a:ext cx="9071280" cy="2090880"/>
+          </a:xfrm>
+          <a:prstGeom prst="rect">
+            <a:avLst/>
+          </a:prstGeom>
+        </p:spPr>
+        <p:txBody>
+          <a:bodyPr lIns="0" rIns="0" tIns="0" bIns="0"/>
+          <a:p>
+            <a:endParaRPr/>
+          </a:p>
+        </p:txBody>
+      </p:sp>
+      <p:sp>
+        <p:nvSpPr>
+          <p:cNvPr id="61" name="PlaceHolder 3"/>
+          <p:cNvSpPr>
+            <a:spLocks noGrp="1"/>
+          </p:cNvSpPr>
+          <p:nvPr>
+            <p:ph type="body"/>
+          </p:nvPr>
+        </p:nvSpPr>
+        <p:spPr>
+          <a:xfrm>
+            <a:off x="504000" y="4059000"/>
+            <a:ext cx="9071280" cy="2090880"/>
+          </a:xfrm>
+          <a:prstGeom prst="rect">
+            <a:avLst/>
+          </a:prstGeom>
+        </p:spPr>
+        <p:txBody>
+          <a:bodyPr lIns="0" rIns="0" tIns="0" bIns="0"/>
+          <a:p>
+            <a:endParaRPr/>
+          </a:p>
+        </p:txBody>
+      </p:sp>
+    </p:spTree>
+  </p:cSld>
+</p:sldLayout>
+</file>
+
+<file path=ppt/slideLayouts/slideLayout23.xml><?xml version="1.0" encoding="utf-8"?>
+<p:sldLayout xmlns:a="http://schemas.openxmlformats.org/drawingml/2006/main" xmlns:p="http://schemas.openxmlformats.org/presentationml/2006/main" xmlns:r="http://schemas.openxmlformats.org/officeDocument/2006/relationships" type="fourObj" preserve="1">
+  <p:cSld name="Title, 4 Content">
+    <p:spTree>
+      <p:nvGrpSpPr>
+        <p:cNvPr id="1" name=""/>
+        <p:cNvGrpSpPr/>
+        <p:nvPr/>
+      </p:nvGrpSpPr>
+      <p:grpSpPr>
+        <a:xfrm>
+          <a:off x="0" y="0"/>
+          <a:ext cx="0" cy="0"/>
+          <a:chOff x="0" y="0"/>
+          <a:chExt cx="0" cy="0"/>
+        </a:xfrm>
+      </p:grpSpPr>
+      <p:sp>
+        <p:nvSpPr>
+          <p:cNvPr id="62" name="PlaceHolder 1"/>
+          <p:cNvSpPr>
+            <a:spLocks noGrp="1"/>
+          </p:cNvSpPr>
+          <p:nvPr>
+            <p:ph type="title"/>
+          </p:nvPr>
+        </p:nvSpPr>
+        <p:spPr>
+          <a:xfrm>
+            <a:off x="504000" y="301320"/>
+            <a:ext cx="9071280" cy="1262520"/>
+          </a:xfrm>
+          <a:prstGeom prst="rect">
+            <a:avLst/>
+          </a:prstGeom>
+        </p:spPr>
+        <p:txBody>
+          <a:bodyPr lIns="0" rIns="0" tIns="0" bIns="0" anchor="ctr"/>
+          <a:p>
+            <a:pPr algn="ctr"/>
+            <a:endParaRPr/>
+          </a:p>
+        </p:txBody>
+      </p:sp>
+      <p:sp>
+        <p:nvSpPr>
+          <p:cNvPr id="63" name="PlaceHolder 2"/>
+          <p:cNvSpPr>
+            <a:spLocks noGrp="1"/>
+          </p:cNvSpPr>
+          <p:nvPr>
+            <p:ph type="body"/>
+          </p:nvPr>
+        </p:nvSpPr>
+        <p:spPr>
+          <a:xfrm>
+            <a:off x="504000" y="1769040"/>
+            <a:ext cx="4426560" cy="2090880"/>
+          </a:xfrm>
+          <a:prstGeom prst="rect">
+            <a:avLst/>
+          </a:prstGeom>
+        </p:spPr>
+        <p:txBody>
+          <a:bodyPr lIns="0" rIns="0" tIns="0" bIns="0"/>
+          <a:p>
+            <a:endParaRPr/>
+          </a:p>
+        </p:txBody>
+      </p:sp>
+      <p:sp>
+        <p:nvSpPr>
+          <p:cNvPr id="64" name="PlaceHolder 3"/>
+          <p:cNvSpPr>
+            <a:spLocks noGrp="1"/>
+          </p:cNvSpPr>
+          <p:nvPr>
+            <p:ph type="body"/>
+          </p:nvPr>
+        </p:nvSpPr>
+        <p:spPr>
+          <a:xfrm>
+            <a:off x="5152320" y="1769040"/>
+            <a:ext cx="4426560" cy="2090880"/>
+          </a:xfrm>
+          <a:prstGeom prst="rect">
+            <a:avLst/>
+          </a:prstGeom>
+        </p:spPr>
+        <p:txBody>
+          <a:bodyPr lIns="0" rIns="0" tIns="0" bIns="0"/>
+          <a:p>
+            <a:endParaRPr/>
+          </a:p>
+        </p:txBody>
+      </p:sp>
+      <p:sp>
+        <p:nvSpPr>
+          <p:cNvPr id="65" name="PlaceHolder 4"/>
+          <p:cNvSpPr>
+            <a:spLocks noGrp="1"/>
+          </p:cNvSpPr>
+          <p:nvPr>
+            <p:ph type="body"/>
+          </p:nvPr>
+        </p:nvSpPr>
+        <p:spPr>
+          <a:xfrm>
+            <a:off x="5152320" y="4059000"/>
+            <a:ext cx="4426560" cy="2090880"/>
+          </a:xfrm>
+          <a:prstGeom prst="rect">
+            <a:avLst/>
+          </a:prstGeom>
+        </p:spPr>
+        <p:txBody>
+          <a:bodyPr lIns="0" rIns="0" tIns="0" bIns="0"/>
+          <a:p>
+            <a:endParaRPr/>
+          </a:p>
+        </p:txBody>
+      </p:sp>
+      <p:sp>
+        <p:nvSpPr>
+          <p:cNvPr id="66" name="PlaceHolder 5"/>
+          <p:cNvSpPr>
+            <a:spLocks noGrp="1"/>
+          </p:cNvSpPr>
+          <p:nvPr>
+            <p:ph type="body"/>
+          </p:nvPr>
+        </p:nvSpPr>
+        <p:spPr>
+          <a:xfrm>
+            <a:off x="504000" y="4059000"/>
+            <a:ext cx="4426560" cy="2090880"/>
+          </a:xfrm>
+          <a:prstGeom prst="rect">
+            <a:avLst/>
+          </a:prstGeom>
+        </p:spPr>
+        <p:txBody>
+          <a:bodyPr lIns="0" rIns="0" tIns="0" bIns="0"/>
+          <a:p>
+            <a:endParaRPr/>
+          </a:p>
+        </p:txBody>
+      </p:sp>
+    </p:spTree>
+  </p:cSld>
+</p:sldLayout>
+</file>
+
+<file path=ppt/slideLayouts/slideLayout24.xml><?xml version="1.0" encoding="utf-8"?>
+<p:sldLayout xmlns:a="http://schemas.openxmlformats.org/drawingml/2006/main" xmlns:p="http://schemas.openxmlformats.org/presentationml/2006/main" xmlns:r="http://schemas.openxmlformats.org/officeDocument/2006/relationships" type="blank" preserve="1">
+  <p:cSld name="Title, 6 Content">
+    <p:spTree>
+      <p:nvGrpSpPr>
+        <p:cNvPr id="1" name=""/>
+        <p:cNvGrpSpPr/>
+        <p:nvPr/>
+      </p:nvGrpSpPr>
+      <p:grpSpPr>
+        <a:xfrm>
+          <a:off x="0" y="0"/>
+          <a:ext cx="0" cy="0"/>
+          <a:chOff x="0" y="0"/>
+          <a:chExt cx="0" cy="0"/>
+        </a:xfrm>
+      </p:grpSpPr>
+      <p:sp>
+        <p:nvSpPr>
+          <p:cNvPr id="67" name="PlaceHolder 1"/>
+          <p:cNvSpPr>
+            <a:spLocks noGrp="1"/>
+          </p:cNvSpPr>
+          <p:nvPr>
+            <p:ph type="title"/>
+          </p:nvPr>
+        </p:nvSpPr>
+        <p:spPr>
+          <a:xfrm>
+            <a:off x="504000" y="301320"/>
+            <a:ext cx="9071280" cy="1262520"/>
+          </a:xfrm>
+          <a:prstGeom prst="rect">
+            <a:avLst/>
+          </a:prstGeom>
+        </p:spPr>
+        <p:txBody>
+          <a:bodyPr lIns="0" rIns="0" tIns="0" bIns="0" anchor="ctr"/>
+          <a:p>
+            <a:pPr algn="ctr"/>
+            <a:endParaRPr/>
+          </a:p>
+        </p:txBody>
+      </p:sp>
+      <p:sp>
+        <p:nvSpPr>
+          <p:cNvPr id="68" name="PlaceHolder 2"/>
+          <p:cNvSpPr>
+            <a:spLocks noGrp="1"/>
+          </p:cNvSpPr>
+          <p:nvPr>
+            <p:ph type="body"/>
+          </p:nvPr>
+        </p:nvSpPr>
+        <p:spPr>
+          <a:xfrm>
+            <a:off x="504000" y="1769040"/>
+            <a:ext cx="9071280" cy="4384080"/>
+          </a:xfrm>
+          <a:prstGeom prst="rect">
+            <a:avLst/>
+          </a:prstGeom>
+        </p:spPr>
+        <p:txBody>
+          <a:bodyPr lIns="0" rIns="0" tIns="0" bIns="0"/>
+          <a:p>
+            <a:endParaRPr/>
+          </a:p>
+        </p:txBody>
+      </p:sp>
+      <p:sp>
+        <p:nvSpPr>
+          <p:cNvPr id="69" name="PlaceHolder 3"/>
+          <p:cNvSpPr>
+            <a:spLocks noGrp="1"/>
+          </p:cNvSpPr>
+          <p:nvPr>
+            <p:ph type="body"/>
+          </p:nvPr>
+        </p:nvSpPr>
+        <p:spPr>
+          <a:xfrm>
+            <a:off x="504000" y="1769040"/>
+            <a:ext cx="9071280" cy="4384080"/>
+          </a:xfrm>
+          <a:prstGeom prst="rect">
+            <a:avLst/>
+          </a:prstGeom>
+        </p:spPr>
+        <p:txBody>
+          <a:bodyPr lIns="0" rIns="0" tIns="0" bIns="0"/>
+          <a:p>
+            <a:endParaRPr/>
+          </a:p>
+        </p:txBody>
+      </p:sp>
+      <p:pic>
+        <p:nvPicPr>
+          <p:cNvPr id="70" name="" descr=""/>
+          <p:cNvPicPr/>
+          <p:nvPr/>
+        </p:nvPicPr>
+        <p:blipFill>
+          <a:blip r:embed="rId2"/>
+          <a:stretch>
+            <a:fillRect/>
+          </a:stretch>
+        </p:blipFill>
+        <p:spPr>
+          <a:xfrm>
+            <a:off x="2292120" y="1769040"/>
+            <a:ext cx="5494680" cy="4384080"/>
+          </a:xfrm>
+          <a:prstGeom prst="rect">
+            <a:avLst/>
+          </a:prstGeom>
+          <a:ln>
+            <a:noFill/>
+          </a:ln>
+        </p:spPr>
+      </p:pic>
+      <p:pic>
+        <p:nvPicPr>
+          <p:cNvPr id="71" name="" descr=""/>
+          <p:cNvPicPr/>
+          <p:nvPr/>
+        </p:nvPicPr>
+        <p:blipFill>
+          <a:blip r:embed="rId3"/>
+          <a:stretch>
+            <a:fillRect/>
+          </a:stretch>
+        </p:blipFill>
+        <p:spPr>
+          <a:xfrm>
+            <a:off x="2292120" y="1769040"/>
+            <a:ext cx="5494680" cy="4384080"/>
+          </a:xfrm>
+          <a:prstGeom prst="rect">
+            <a:avLst/>
+          </a:prstGeom>
+          <a:ln>
+            <a:noFill/>
+          </a:ln>
+        </p:spPr>
+      </p:pic>
     </p:spTree>
   </p:cSld>
 </p:sldLayout>
@@ -540,7 +1699,7 @@
       </p:grpSpPr>
       <p:sp>
         <p:nvSpPr>
-          <p:cNvPr id="7" name="PlaceHolder 1"/>
+          <p:cNvPr id="4" name="PlaceHolder 1"/>
           <p:cNvSpPr>
             <a:spLocks noGrp="1"/>
           </p:cNvSpPr>
@@ -551,7 +1710,7 @@
         <p:spPr>
           <a:xfrm>
             <a:off x="504000" y="301320"/>
-            <a:ext cx="9071640" cy="1262520"/>
+            <a:ext cx="9071280" cy="1262520"/>
           </a:xfrm>
           <a:prstGeom prst="rect">
             <a:avLst/>
@@ -567,7 +1726,7 @@
       </p:sp>
       <p:sp>
         <p:nvSpPr>
-          <p:cNvPr id="8" name="PlaceHolder 2"/>
+          <p:cNvPr id="5" name="PlaceHolder 2"/>
           <p:cNvSpPr>
             <a:spLocks noGrp="1"/>
           </p:cNvSpPr>
@@ -578,7 +1737,7 @@
         <p:spPr>
           <a:xfrm>
             <a:off x="504000" y="1769040"/>
-            <a:ext cx="9071640" cy="4384440"/>
+            <a:ext cx="9071280" cy="4384080"/>
           </a:xfrm>
           <a:prstGeom prst="rect">
             <a:avLst/>
@@ -615,7 +1774,7 @@
       </p:grpSpPr>
       <p:sp>
         <p:nvSpPr>
-          <p:cNvPr id="9" name="PlaceHolder 1"/>
+          <p:cNvPr id="6" name="PlaceHolder 1"/>
           <p:cNvSpPr>
             <a:spLocks noGrp="1"/>
           </p:cNvSpPr>
@@ -626,7 +1785,7 @@
         <p:spPr>
           <a:xfrm>
             <a:off x="504000" y="301320"/>
-            <a:ext cx="9071640" cy="1262520"/>
+            <a:ext cx="9071280" cy="1262520"/>
           </a:xfrm>
           <a:prstGeom prst="rect">
             <a:avLst/>
@@ -642,7 +1801,7 @@
       </p:sp>
       <p:sp>
         <p:nvSpPr>
-          <p:cNvPr id="10" name="PlaceHolder 2"/>
+          <p:cNvPr id="7" name="PlaceHolder 2"/>
           <p:cNvSpPr>
             <a:spLocks noGrp="1"/>
           </p:cNvSpPr>
@@ -653,22 +1812,22 @@
         <p:spPr>
           <a:xfrm>
             <a:off x="504000" y="1769040"/>
-            <a:ext cx="4426920" cy="4384440"/>
-          </a:xfrm>
-          <a:prstGeom prst="rect">
-            <a:avLst/>
-          </a:prstGeom>
-        </p:spPr>
-        <p:txBody>
-          <a:bodyPr lIns="0" rIns="0" tIns="0" bIns="0"/>
-          <a:p>
-            <a:endParaRPr/>
-          </a:p>
-        </p:txBody>
-      </p:sp>
-      <p:sp>
-        <p:nvSpPr>
-          <p:cNvPr id="11" name="PlaceHolder 3"/>
+            <a:ext cx="4426560" cy="4384080"/>
+          </a:xfrm>
+          <a:prstGeom prst="rect">
+            <a:avLst/>
+          </a:prstGeom>
+        </p:spPr>
+        <p:txBody>
+          <a:bodyPr lIns="0" rIns="0" tIns="0" bIns="0"/>
+          <a:p>
+            <a:endParaRPr/>
+          </a:p>
+        </p:txBody>
+      </p:sp>
+      <p:sp>
+        <p:nvSpPr>
+          <p:cNvPr id="8" name="PlaceHolder 3"/>
           <p:cNvSpPr>
             <a:spLocks noGrp="1"/>
           </p:cNvSpPr>
@@ -678,8 +1837,8 @@
         </p:nvSpPr>
         <p:spPr>
           <a:xfrm>
-            <a:off x="5152680" y="1769040"/>
-            <a:ext cx="4426920" cy="4384440"/>
+            <a:off x="5152320" y="1769040"/>
+            <a:ext cx="4426560" cy="4384080"/>
           </a:xfrm>
           <a:prstGeom prst="rect">
             <a:avLst/>
@@ -716,7 +1875,7 @@
       </p:grpSpPr>
       <p:sp>
         <p:nvSpPr>
-          <p:cNvPr id="12" name="PlaceHolder 1"/>
+          <p:cNvPr id="9" name="PlaceHolder 1"/>
           <p:cNvSpPr>
             <a:spLocks noGrp="1"/>
           </p:cNvSpPr>
@@ -727,7 +1886,7 @@
         <p:spPr>
           <a:xfrm>
             <a:off x="504000" y="301320"/>
-            <a:ext cx="9071640" cy="1262520"/>
+            <a:ext cx="9071280" cy="1262520"/>
           </a:xfrm>
           <a:prstGeom prst="rect">
             <a:avLst/>
@@ -765,7 +1924,7 @@
       </p:grpSpPr>
       <p:sp>
         <p:nvSpPr>
-          <p:cNvPr id="13" name="PlaceHolder 1"/>
+          <p:cNvPr id="10" name="PlaceHolder 1"/>
           <p:cNvSpPr>
             <a:spLocks noGrp="1"/>
           </p:cNvSpPr>
@@ -776,7 +1935,7 @@
         <p:spPr>
           <a:xfrm>
             <a:off x="504000" y="301320"/>
-            <a:ext cx="9071640" cy="5852160"/>
+            <a:ext cx="9071280" cy="5852160"/>
           </a:xfrm>
           <a:prstGeom prst="rect">
             <a:avLst/>
@@ -814,7 +1973,7 @@
       </p:grpSpPr>
       <p:sp>
         <p:nvSpPr>
-          <p:cNvPr id="14" name="PlaceHolder 1"/>
+          <p:cNvPr id="11" name="PlaceHolder 1"/>
           <p:cNvSpPr>
             <a:spLocks noGrp="1"/>
           </p:cNvSpPr>
@@ -825,7 +1984,7 @@
         <p:spPr>
           <a:xfrm>
             <a:off x="504000" y="301320"/>
-            <a:ext cx="9071640" cy="1262520"/>
+            <a:ext cx="9071280" cy="1262520"/>
           </a:xfrm>
           <a:prstGeom prst="rect">
             <a:avLst/>
@@ -841,7 +2000,7 @@
       </p:sp>
       <p:sp>
         <p:nvSpPr>
-          <p:cNvPr id="15" name="PlaceHolder 2"/>
+          <p:cNvPr id="12" name="PlaceHolder 2"/>
           <p:cNvSpPr>
             <a:spLocks noGrp="1"/>
           </p:cNvSpPr>
@@ -852,22 +2011,22 @@
         <p:spPr>
           <a:xfrm>
             <a:off x="504000" y="1769040"/>
-            <a:ext cx="4426920" cy="2091240"/>
-          </a:xfrm>
-          <a:prstGeom prst="rect">
-            <a:avLst/>
-          </a:prstGeom>
-        </p:spPr>
-        <p:txBody>
-          <a:bodyPr lIns="0" rIns="0" tIns="0" bIns="0"/>
-          <a:p>
-            <a:endParaRPr/>
-          </a:p>
-        </p:txBody>
-      </p:sp>
-      <p:sp>
-        <p:nvSpPr>
-          <p:cNvPr id="16" name="PlaceHolder 3"/>
+            <a:ext cx="4426560" cy="2090880"/>
+          </a:xfrm>
+          <a:prstGeom prst="rect">
+            <a:avLst/>
+          </a:prstGeom>
+        </p:spPr>
+        <p:txBody>
+          <a:bodyPr lIns="0" rIns="0" tIns="0" bIns="0"/>
+          <a:p>
+            <a:endParaRPr/>
+          </a:p>
+        </p:txBody>
+      </p:sp>
+      <p:sp>
+        <p:nvSpPr>
+          <p:cNvPr id="13" name="PlaceHolder 3"/>
           <p:cNvSpPr>
             <a:spLocks noGrp="1"/>
           </p:cNvSpPr>
@@ -877,23 +2036,23 @@
         </p:nvSpPr>
         <p:spPr>
           <a:xfrm>
-            <a:off x="504000" y="4059360"/>
-            <a:ext cx="4426920" cy="2091240"/>
-          </a:xfrm>
-          <a:prstGeom prst="rect">
-            <a:avLst/>
-          </a:prstGeom>
-        </p:spPr>
-        <p:txBody>
-          <a:bodyPr lIns="0" rIns="0" tIns="0" bIns="0"/>
-          <a:p>
-            <a:endParaRPr/>
-          </a:p>
-        </p:txBody>
-      </p:sp>
-      <p:sp>
-        <p:nvSpPr>
-          <p:cNvPr id="17" name="PlaceHolder 4"/>
+            <a:off x="504000" y="4059000"/>
+            <a:ext cx="4426560" cy="2090880"/>
+          </a:xfrm>
+          <a:prstGeom prst="rect">
+            <a:avLst/>
+          </a:prstGeom>
+        </p:spPr>
+        <p:txBody>
+          <a:bodyPr lIns="0" rIns="0" tIns="0" bIns="0"/>
+          <a:p>
+            <a:endParaRPr/>
+          </a:p>
+        </p:txBody>
+      </p:sp>
+      <p:sp>
+        <p:nvSpPr>
+          <p:cNvPr id="14" name="PlaceHolder 4"/>
           <p:cNvSpPr>
             <a:spLocks noGrp="1"/>
           </p:cNvSpPr>
@@ -903,8 +2062,8 @@
         </p:nvSpPr>
         <p:spPr>
           <a:xfrm>
-            <a:off x="5152680" y="1769040"/>
-            <a:ext cx="4426920" cy="4384440"/>
+            <a:off x="5152320" y="1769040"/>
+            <a:ext cx="4426560" cy="4384080"/>
           </a:xfrm>
           <a:prstGeom prst="rect">
             <a:avLst/>
@@ -941,7 +2100,7 @@
       </p:grpSpPr>
       <p:sp>
         <p:nvSpPr>
-          <p:cNvPr id="18" name="PlaceHolder 1"/>
+          <p:cNvPr id="15" name="PlaceHolder 1"/>
           <p:cNvSpPr>
             <a:spLocks noGrp="1"/>
           </p:cNvSpPr>
@@ -952,7 +2111,7 @@
         <p:spPr>
           <a:xfrm>
             <a:off x="504000" y="301320"/>
-            <a:ext cx="9071640" cy="1262520"/>
+            <a:ext cx="9071280" cy="1262520"/>
           </a:xfrm>
           <a:prstGeom prst="rect">
             <a:avLst/>
@@ -968,7 +2127,7 @@
       </p:sp>
       <p:sp>
         <p:nvSpPr>
-          <p:cNvPr id="19" name="PlaceHolder 2"/>
+          <p:cNvPr id="16" name="PlaceHolder 2"/>
           <p:cNvSpPr>
             <a:spLocks noGrp="1"/>
           </p:cNvSpPr>
@@ -979,22 +2138,22 @@
         <p:spPr>
           <a:xfrm>
             <a:off x="504000" y="1769040"/>
-            <a:ext cx="4426920" cy="4384440"/>
-          </a:xfrm>
-          <a:prstGeom prst="rect">
-            <a:avLst/>
-          </a:prstGeom>
-        </p:spPr>
-        <p:txBody>
-          <a:bodyPr lIns="0" rIns="0" tIns="0" bIns="0"/>
-          <a:p>
-            <a:endParaRPr/>
-          </a:p>
-        </p:txBody>
-      </p:sp>
-      <p:sp>
-        <p:nvSpPr>
-          <p:cNvPr id="20" name="PlaceHolder 3"/>
+            <a:ext cx="4426560" cy="4384080"/>
+          </a:xfrm>
+          <a:prstGeom prst="rect">
+            <a:avLst/>
+          </a:prstGeom>
+        </p:spPr>
+        <p:txBody>
+          <a:bodyPr lIns="0" rIns="0" tIns="0" bIns="0"/>
+          <a:p>
+            <a:endParaRPr/>
+          </a:p>
+        </p:txBody>
+      </p:sp>
+      <p:sp>
+        <p:nvSpPr>
+          <p:cNvPr id="17" name="PlaceHolder 3"/>
           <p:cNvSpPr>
             <a:spLocks noGrp="1"/>
           </p:cNvSpPr>
@@ -1004,23 +2163,23 @@
         </p:nvSpPr>
         <p:spPr>
           <a:xfrm>
-            <a:off x="5152680" y="1769040"/>
-            <a:ext cx="4426920" cy="2091240"/>
-          </a:xfrm>
-          <a:prstGeom prst="rect">
-            <a:avLst/>
-          </a:prstGeom>
-        </p:spPr>
-        <p:txBody>
-          <a:bodyPr lIns="0" rIns="0" tIns="0" bIns="0"/>
-          <a:p>
-            <a:endParaRPr/>
-          </a:p>
-        </p:txBody>
-      </p:sp>
-      <p:sp>
-        <p:nvSpPr>
-          <p:cNvPr id="21" name="PlaceHolder 4"/>
+            <a:off x="5152320" y="1769040"/>
+            <a:ext cx="4426560" cy="2090880"/>
+          </a:xfrm>
+          <a:prstGeom prst="rect">
+            <a:avLst/>
+          </a:prstGeom>
+        </p:spPr>
+        <p:txBody>
+          <a:bodyPr lIns="0" rIns="0" tIns="0" bIns="0"/>
+          <a:p>
+            <a:endParaRPr/>
+          </a:p>
+        </p:txBody>
+      </p:sp>
+      <p:sp>
+        <p:nvSpPr>
+          <p:cNvPr id="18" name="PlaceHolder 4"/>
           <p:cNvSpPr>
             <a:spLocks noGrp="1"/>
           </p:cNvSpPr>
@@ -1030,8 +2189,8 @@
         </p:nvSpPr>
         <p:spPr>
           <a:xfrm>
-            <a:off x="5152680" y="4059360"/>
-            <a:ext cx="4426920" cy="2091240"/>
+            <a:off x="5152320" y="4059000"/>
+            <a:ext cx="4426560" cy="2090880"/>
           </a:xfrm>
           <a:prstGeom prst="rect">
             <a:avLst/>
@@ -1068,7 +2227,7 @@
       </p:grpSpPr>
       <p:sp>
         <p:nvSpPr>
-          <p:cNvPr id="22" name="PlaceHolder 1"/>
+          <p:cNvPr id="19" name="PlaceHolder 1"/>
           <p:cNvSpPr>
             <a:spLocks noGrp="1"/>
           </p:cNvSpPr>
@@ -1079,7 +2238,7 @@
         <p:spPr>
           <a:xfrm>
             <a:off x="504000" y="301320"/>
-            <a:ext cx="9071640" cy="1262520"/>
+            <a:ext cx="9071280" cy="1262520"/>
           </a:xfrm>
           <a:prstGeom prst="rect">
             <a:avLst/>
@@ -1095,7 +2254,7 @@
       </p:sp>
       <p:sp>
         <p:nvSpPr>
-          <p:cNvPr id="23" name="PlaceHolder 2"/>
+          <p:cNvPr id="20" name="PlaceHolder 2"/>
           <p:cNvSpPr>
             <a:spLocks noGrp="1"/>
           </p:cNvSpPr>
@@ -1106,22 +2265,22 @@
         <p:spPr>
           <a:xfrm>
             <a:off x="504000" y="1769040"/>
-            <a:ext cx="4426920" cy="2091240"/>
-          </a:xfrm>
-          <a:prstGeom prst="rect">
-            <a:avLst/>
-          </a:prstGeom>
-        </p:spPr>
-        <p:txBody>
-          <a:bodyPr lIns="0" rIns="0" tIns="0" bIns="0"/>
-          <a:p>
-            <a:endParaRPr/>
-          </a:p>
-        </p:txBody>
-      </p:sp>
-      <p:sp>
-        <p:nvSpPr>
-          <p:cNvPr id="24" name="PlaceHolder 3"/>
+            <a:ext cx="4426560" cy="2090880"/>
+          </a:xfrm>
+          <a:prstGeom prst="rect">
+            <a:avLst/>
+          </a:prstGeom>
+        </p:spPr>
+        <p:txBody>
+          <a:bodyPr lIns="0" rIns="0" tIns="0" bIns="0"/>
+          <a:p>
+            <a:endParaRPr/>
+          </a:p>
+        </p:txBody>
+      </p:sp>
+      <p:sp>
+        <p:nvSpPr>
+          <p:cNvPr id="21" name="PlaceHolder 3"/>
           <p:cNvSpPr>
             <a:spLocks noGrp="1"/>
           </p:cNvSpPr>
@@ -1131,23 +2290,23 @@
         </p:nvSpPr>
         <p:spPr>
           <a:xfrm>
-            <a:off x="5152680" y="1769040"/>
-            <a:ext cx="4426920" cy="2091240"/>
-          </a:xfrm>
-          <a:prstGeom prst="rect">
-            <a:avLst/>
-          </a:prstGeom>
-        </p:spPr>
-        <p:txBody>
-          <a:bodyPr lIns="0" rIns="0" tIns="0" bIns="0"/>
-          <a:p>
-            <a:endParaRPr/>
-          </a:p>
-        </p:txBody>
-      </p:sp>
-      <p:sp>
-        <p:nvSpPr>
-          <p:cNvPr id="25" name="PlaceHolder 4"/>
+            <a:off x="5152320" y="1769040"/>
+            <a:ext cx="4426560" cy="2090880"/>
+          </a:xfrm>
+          <a:prstGeom prst="rect">
+            <a:avLst/>
+          </a:prstGeom>
+        </p:spPr>
+        <p:txBody>
+          <a:bodyPr lIns="0" rIns="0" tIns="0" bIns="0"/>
+          <a:p>
+            <a:endParaRPr/>
+          </a:p>
+        </p:txBody>
+      </p:sp>
+      <p:sp>
+        <p:nvSpPr>
+          <p:cNvPr id="22" name="PlaceHolder 4"/>
           <p:cNvSpPr>
             <a:spLocks noGrp="1"/>
           </p:cNvSpPr>
@@ -1157,8 +2316,8 @@
         </p:nvSpPr>
         <p:spPr>
           <a:xfrm>
-            <a:off x="504000" y="4059360"/>
-            <a:ext cx="9071640" cy="2091240"/>
+            <a:off x="504000" y="4059000"/>
+            <a:ext cx="9071280" cy="2090880"/>
           </a:xfrm>
           <a:prstGeom prst="rect">
             <a:avLst/>
@@ -1206,7 +2365,7 @@
         <p:spPr>
           <a:xfrm>
             <a:off x="504000" y="301320"/>
-            <a:ext cx="9071640" cy="1262160"/>
+            <a:ext cx="9071280" cy="1262160"/>
           </a:xfrm>
           <a:prstGeom prst="rect">
             <a:avLst/>
@@ -1215,9 +2374,8 @@
         <p:txBody>
           <a:bodyPr lIns="0" rIns="0" tIns="0" bIns="0" anchor="ctr"/>
           <a:p>
-            <a:pPr algn="ctr"/>
             <a:r>
-              <a:rPr lang="en-US" sz="4400">
+              <a:rPr lang="en-US">
                 <a:latin typeface="Arial"/>
               </a:rPr>
               <a:t>Click to edit the title text format</a:t>
@@ -1238,8 +2396,8 @@
         </p:nvSpPr>
         <p:spPr>
           <a:xfrm>
-            <a:off x="504000" y="1769040"/>
-            <a:ext cx="9071640" cy="4384440"/>
+            <a:off x="504000" y="1768680"/>
+            <a:ext cx="9072000" cy="4384080"/>
           </a:xfrm>
           <a:prstGeom prst="rect">
             <a:avLst/>
@@ -1343,104 +2501,6 @@
               </a:rPr>
               <a:t>Seventh Outline Level</a:t>
             </a:r>
-            <a:endParaRPr/>
-          </a:p>
-        </p:txBody>
-      </p:sp>
-      <p:sp>
-        <p:nvSpPr>
-          <p:cNvPr id="2" name="PlaceHolder 3"/>
-          <p:cNvSpPr>
-            <a:spLocks noGrp="1"/>
-          </p:cNvSpPr>
-          <p:nvPr>
-            <p:ph type="dt"/>
-          </p:nvPr>
-        </p:nvSpPr>
-        <p:spPr>
-          <a:xfrm>
-            <a:off x="504000" y="6887160"/>
-            <a:ext cx="2348280" cy="521280"/>
-          </a:xfrm>
-          <a:prstGeom prst="rect">
-            <a:avLst/>
-          </a:prstGeom>
-        </p:spPr>
-        <p:txBody>
-          <a:bodyPr lIns="0" rIns="0" tIns="0" bIns="0"/>
-          <a:p>
-            <a:r>
-              <a:rPr lang="en-US" sz="1400">
-                <a:latin typeface="Times New Roman"/>
-              </a:rPr>
-              <a:t>&lt;date/time&gt;</a:t>
-            </a:r>
-            <a:endParaRPr/>
-          </a:p>
-        </p:txBody>
-      </p:sp>
-      <p:sp>
-        <p:nvSpPr>
-          <p:cNvPr id="3" name="PlaceHolder 4"/>
-          <p:cNvSpPr>
-            <a:spLocks noGrp="1"/>
-          </p:cNvSpPr>
-          <p:nvPr>
-            <p:ph type="ftr"/>
-          </p:nvPr>
-        </p:nvSpPr>
-        <p:spPr>
-          <a:xfrm>
-            <a:off x="3447360" y="6887160"/>
-            <a:ext cx="3195000" cy="521280"/>
-          </a:xfrm>
-          <a:prstGeom prst="rect">
-            <a:avLst/>
-          </a:prstGeom>
-        </p:spPr>
-        <p:txBody>
-          <a:bodyPr lIns="0" rIns="0" tIns="0" bIns="0"/>
-          <a:p>
-            <a:pPr algn="ctr"/>
-            <a:r>
-              <a:rPr lang="en-US" sz="1400">
-                <a:latin typeface="Times New Roman"/>
-              </a:rPr>
-              <a:t>&lt;footer&gt;</a:t>
-            </a:r>
-            <a:endParaRPr/>
-          </a:p>
-        </p:txBody>
-      </p:sp>
-      <p:sp>
-        <p:nvSpPr>
-          <p:cNvPr id="4" name="PlaceHolder 5"/>
-          <p:cNvSpPr>
-            <a:spLocks noGrp="1"/>
-          </p:cNvSpPr>
-          <p:nvPr>
-            <p:ph type="sldNum"/>
-          </p:nvPr>
-        </p:nvSpPr>
-        <p:spPr>
-          <a:xfrm>
-            <a:off x="7227360" y="6887160"/>
-            <a:ext cx="2348280" cy="521280"/>
-          </a:xfrm>
-          <a:prstGeom prst="rect">
-            <a:avLst/>
-          </a:prstGeom>
-        </p:spPr>
-        <p:txBody>
-          <a:bodyPr lIns="0" rIns="0" tIns="0" bIns="0"/>
-          <a:p>
-            <a:pPr algn="r"/>
-            <a:fld id="{799746B5-499D-4CBE-8CA9-0916A6D15FF0}" type="slidenum">
-              <a:rPr lang="en-US" sz="1400">
-                <a:latin typeface="Times New Roman"/>
-              </a:rPr>
-              <a:t>&lt;number&gt;</a:t>
-            </a:fld>
             <a:endParaRPr/>
           </a:p>
         </p:txBody>
@@ -1461,6 +2521,196 @@
     <p:sldLayoutId id="2147483658" r:id="rId11"/>
     <p:sldLayoutId id="2147483659" r:id="rId12"/>
     <p:sldLayoutId id="2147483660" r:id="rId13"/>
+  </p:sldLayoutIdLst>
+</p:sldMaster>
+</file>
+
+<file path=ppt/slideMasters/slideMaster2.xml><?xml version="1.0" encoding="utf-8"?>
+<p:sldMaster xmlns:a="http://schemas.openxmlformats.org/drawingml/2006/main" xmlns:p="http://schemas.openxmlformats.org/presentationml/2006/main" xmlns:r="http://schemas.openxmlformats.org/officeDocument/2006/relationships">
+  <p:cSld>
+    <p:spTree>
+      <p:nvGrpSpPr>
+        <p:cNvPr id="1" name=""/>
+        <p:cNvGrpSpPr/>
+        <p:nvPr/>
+      </p:nvGrpSpPr>
+      <p:grpSpPr>
+        <a:xfrm>
+          <a:off x="0" y="0"/>
+          <a:ext cx="0" cy="0"/>
+          <a:chOff x="0" y="0"/>
+          <a:chExt cx="0" cy="0"/>
+        </a:xfrm>
+      </p:grpSpPr>
+      <p:sp>
+        <p:nvSpPr>
+          <p:cNvPr id="36" name="PlaceHolder 1"/>
+          <p:cNvSpPr>
+            <a:spLocks noGrp="1"/>
+          </p:cNvSpPr>
+          <p:nvPr>
+            <p:ph type="title"/>
+          </p:nvPr>
+        </p:nvSpPr>
+        <p:spPr>
+          <a:xfrm>
+            <a:off x="504000" y="301320"/>
+            <a:ext cx="9071280" cy="1262160"/>
+          </a:xfrm>
+          <a:prstGeom prst="rect">
+            <a:avLst/>
+          </a:prstGeom>
+        </p:spPr>
+        <p:txBody>
+          <a:bodyPr lIns="0" rIns="0" tIns="0" bIns="0" anchor="ctr"/>
+          <a:p>
+            <a:r>
+              <a:rPr lang="en-US">
+                <a:latin typeface="Arial"/>
+              </a:rPr>
+              <a:t>Click to edit the title text format</a:t>
+            </a:r>
+            <a:endParaRPr/>
+          </a:p>
+        </p:txBody>
+      </p:sp>
+      <p:sp>
+        <p:nvSpPr>
+          <p:cNvPr id="37" name="PlaceHolder 2"/>
+          <p:cNvSpPr>
+            <a:spLocks noGrp="1"/>
+          </p:cNvSpPr>
+          <p:nvPr>
+            <p:ph type="body"/>
+          </p:nvPr>
+        </p:nvSpPr>
+        <p:spPr>
+          <a:xfrm>
+            <a:off x="504000" y="1769040"/>
+            <a:ext cx="9071280" cy="4384080"/>
+          </a:xfrm>
+          <a:prstGeom prst="rect">
+            <a:avLst/>
+          </a:prstGeom>
+        </p:spPr>
+        <p:txBody>
+          <a:bodyPr lIns="0" rIns="0" tIns="0" bIns="0"/>
+          <a:p>
+            <a:pPr>
+              <a:buSzPct val="45000"/>
+              <a:buFont typeface="StarSymbol"/>
+              <a:buChar char=""/>
+            </a:pPr>
+            <a:r>
+              <a:rPr lang="en-US">
+                <a:latin typeface="Arial"/>
+              </a:rPr>
+              <a:t>Click to edit the outline text format</a:t>
+            </a:r>
+            <a:endParaRPr/>
+          </a:p>
+          <a:p>
+            <a:pPr lvl="1">
+              <a:buSzPct val="75000"/>
+              <a:buFont typeface="StarSymbol"/>
+              <a:buChar char=""/>
+            </a:pPr>
+            <a:r>
+              <a:rPr lang="en-US">
+                <a:latin typeface="Arial"/>
+              </a:rPr>
+              <a:t>Second Outline Level</a:t>
+            </a:r>
+            <a:endParaRPr/>
+          </a:p>
+          <a:p>
+            <a:pPr lvl="2">
+              <a:buSzPct val="45000"/>
+              <a:buFont typeface="StarSymbol"/>
+              <a:buChar char=""/>
+            </a:pPr>
+            <a:r>
+              <a:rPr lang="en-US">
+                <a:latin typeface="Arial"/>
+              </a:rPr>
+              <a:t>Third Outline Level</a:t>
+            </a:r>
+            <a:endParaRPr/>
+          </a:p>
+          <a:p>
+            <a:pPr lvl="3">
+              <a:buSzPct val="75000"/>
+              <a:buFont typeface="StarSymbol"/>
+              <a:buChar char=""/>
+            </a:pPr>
+            <a:r>
+              <a:rPr lang="en-US">
+                <a:latin typeface="Arial"/>
+              </a:rPr>
+              <a:t>Fourth Outline Level</a:t>
+            </a:r>
+            <a:endParaRPr/>
+          </a:p>
+          <a:p>
+            <a:pPr lvl="4">
+              <a:buSzPct val="45000"/>
+              <a:buFont typeface="StarSymbol"/>
+              <a:buChar char=""/>
+            </a:pPr>
+            <a:r>
+              <a:rPr lang="en-US">
+                <a:latin typeface="Arial"/>
+              </a:rPr>
+              <a:t>Fifth Outline Level</a:t>
+            </a:r>
+            <a:endParaRPr/>
+          </a:p>
+          <a:p>
+            <a:pPr lvl="5">
+              <a:buSzPct val="45000"/>
+              <a:buFont typeface="StarSymbol"/>
+              <a:buChar char=""/>
+            </a:pPr>
+            <a:r>
+              <a:rPr lang="en-US">
+                <a:latin typeface="Arial"/>
+              </a:rPr>
+              <a:t>Sixth Outline Level</a:t>
+            </a:r>
+            <a:endParaRPr/>
+          </a:p>
+          <a:p>
+            <a:pPr lvl="6">
+              <a:buSzPct val="45000"/>
+              <a:buFont typeface="StarSymbol"/>
+              <a:buChar char=""/>
+            </a:pPr>
+            <a:r>
+              <a:rPr lang="en-US">
+                <a:latin typeface="Arial"/>
+              </a:rPr>
+              <a:t>Seventh Outline Level</a:t>
+            </a:r>
+            <a:endParaRPr/>
+          </a:p>
+        </p:txBody>
+      </p:sp>
+    </p:spTree>
+  </p:cSld>
+  <p:clrMap bg1="lt1" bg2="lt2" tx1="dk1" tx2="dk2" accent1="accent1" accent2="accent2" accent3="accent3" accent4="accent4" accent5="accent5" accent6="accent6" hlink="hlink" folHlink="folHlink"/>
+  <p:sldLayoutIdLst>
+    <p:sldLayoutId id="2147483662" r:id="rId2"/>
+    <p:sldLayoutId id="2147483663" r:id="rId3"/>
+    <p:sldLayoutId id="2147483664" r:id="rId4"/>
+    <p:sldLayoutId id="2147483665" r:id="rId5"/>
+    <p:sldLayoutId id="2147483666" r:id="rId6"/>
+    <p:sldLayoutId id="2147483667" r:id="rId7"/>
+    <p:sldLayoutId id="2147483668" r:id="rId8"/>
+    <p:sldLayoutId id="2147483669" r:id="rId9"/>
+    <p:sldLayoutId id="2147483670" r:id="rId10"/>
+    <p:sldLayoutId id="2147483671" r:id="rId11"/>
+    <p:sldLayoutId id="2147483672" r:id="rId12"/>
+    <p:sldLayoutId id="2147483673" r:id="rId13"/>
   </p:sldLayoutIdLst>
 </p:sldMaster>
 </file>
@@ -1484,36 +2734,40 @@
       </p:grpSpPr>
       <p:sp>
         <p:nvSpPr>
-          <p:cNvPr id="39" name="TextShape 1"/>
-          <p:cNvSpPr txBox="1"/>
+          <p:cNvPr id="72" name="CustomShape 1"/>
+          <p:cNvSpPr/>
           <p:nvPr/>
         </p:nvSpPr>
         <p:spPr>
           <a:xfrm>
             <a:off x="504000" y="301320"/>
-            <a:ext cx="9071640" cy="1262160"/>
-          </a:xfrm>
-          <a:prstGeom prst="rect">
-            <a:avLst/>
-          </a:prstGeom>
+            <a:ext cx="9071280" cy="1261800"/>
+          </a:xfrm>
+          <a:prstGeom prst="rect">
+            <a:avLst/>
+          </a:prstGeom>
+          <a:noFill/>
+          <a:ln>
+            <a:noFill/>
+          </a:ln>
         </p:spPr>
         <p:txBody>
           <a:bodyPr lIns="0" rIns="0" tIns="0" bIns="0" anchor="ctr"/>
           <a:p>
-            <a:pPr algn="ctr"/>
             <a:r>
               <a:rPr lang="en-US" sz="4400">
                 <a:latin typeface="Arial"/>
               </a:rPr>
               <a:t>Robotics 5698</a:t>
             </a:r>
-            <a:r>
-              <a:rPr lang="en-US" sz="4400">
-                <a:latin typeface="Arial"/>
-              </a:rPr>
-              <a:t>
-</a:t>
-            </a:r>
+            <a:endParaRPr/>
+          </a:p>
+          <a:p>
+            <a:pPr algn="ctr">
+              <a:lnSpc>
+                <a:spcPct val="100000"/>
+              </a:lnSpc>
+            </a:pPr>
             <a:r>
               <a:rPr lang="en-US" sz="4400">
                 <a:latin typeface="Arial"/>
@@ -1526,23 +2780,31 @@
       </p:sp>
       <p:sp>
         <p:nvSpPr>
-          <p:cNvPr id="40" name="TextShape 2"/>
-          <p:cNvSpPr txBox="1"/>
+          <p:cNvPr id="73" name="CustomShape 2"/>
+          <p:cNvSpPr/>
           <p:nvPr/>
         </p:nvSpPr>
         <p:spPr>
           <a:xfrm>
             <a:off x="504000" y="1769040"/>
-            <a:ext cx="9071640" cy="4384440"/>
-          </a:xfrm>
-          <a:prstGeom prst="rect">
-            <a:avLst/>
-          </a:prstGeom>
+            <a:ext cx="9071280" cy="4384080"/>
+          </a:xfrm>
+          <a:prstGeom prst="rect">
+            <a:avLst/>
+          </a:prstGeom>
+          <a:noFill/>
+          <a:ln>
+            <a:noFill/>
+          </a:ln>
         </p:spPr>
         <p:txBody>
           <a:bodyPr lIns="0" rIns="0" tIns="0" bIns="0" anchor="ctr"/>
           <a:p>
-            <a:pPr algn="ctr"/>
+            <a:pPr algn="ctr">
+              <a:lnSpc>
+                <a:spcPct val="100000"/>
+              </a:lnSpc>
+            </a:pPr>
             <a:r>
               <a:rPr lang="en-US" sz="3200">
                 <a:latin typeface="Arial"/>
@@ -1552,7 +2814,11 @@
             <a:endParaRPr/>
           </a:p>
           <a:p>
-            <a:pPr algn="ctr"/>
+            <a:pPr algn="ctr">
+              <a:lnSpc>
+                <a:spcPct val="100000"/>
+              </a:lnSpc>
+            </a:pPr>
             <a:r>
               <a:rPr lang="en-US" sz="1100">
                 <a:latin typeface="Arial"/>
@@ -1614,23 +2880,31 @@
       </p:grpSpPr>
       <p:sp>
         <p:nvSpPr>
-          <p:cNvPr id="41" name="TextShape 1"/>
-          <p:cNvSpPr txBox="1"/>
+          <p:cNvPr id="74" name="CustomShape 1"/>
+          <p:cNvSpPr/>
           <p:nvPr/>
         </p:nvSpPr>
         <p:spPr>
           <a:xfrm>
             <a:off x="504000" y="301320"/>
-            <a:ext cx="9071640" cy="1262160"/>
-          </a:xfrm>
-          <a:prstGeom prst="rect">
-            <a:avLst/>
-          </a:prstGeom>
+            <a:ext cx="9071280" cy="1261800"/>
+          </a:xfrm>
+          <a:prstGeom prst="rect">
+            <a:avLst/>
+          </a:prstGeom>
+          <a:noFill/>
+          <a:ln>
+            <a:noFill/>
+          </a:ln>
         </p:spPr>
         <p:txBody>
           <a:bodyPr lIns="0" rIns="0" tIns="0" bIns="0" anchor="ctr"/>
           <a:p>
-            <a:pPr algn="ctr"/>
+            <a:pPr algn="ctr">
+              <a:lnSpc>
+                <a:spcPct val="100000"/>
+              </a:lnSpc>
+            </a:pPr>
             <a:r>
               <a:rPr lang="en-US" sz="4400">
                 <a:latin typeface="Arial"/>
@@ -1643,26 +2917,33 @@
       </p:sp>
       <p:sp>
         <p:nvSpPr>
-          <p:cNvPr id="42" name="TextShape 2"/>
-          <p:cNvSpPr txBox="1"/>
+          <p:cNvPr id="75" name="CustomShape 2"/>
+          <p:cNvSpPr/>
           <p:nvPr/>
         </p:nvSpPr>
         <p:spPr>
           <a:xfrm>
             <a:off x="504000" y="1769040"/>
-            <a:ext cx="9071640" cy="4384440"/>
-          </a:xfrm>
-          <a:prstGeom prst="rect">
-            <a:avLst/>
-          </a:prstGeom>
+            <a:ext cx="9071280" cy="4384080"/>
+          </a:xfrm>
+          <a:prstGeom prst="rect">
+            <a:avLst/>
+          </a:prstGeom>
+          <a:noFill/>
+          <a:ln>
+            <a:noFill/>
+          </a:ln>
         </p:spPr>
         <p:txBody>
           <a:bodyPr lIns="0" rIns="0" tIns="0" bIns="0"/>
           <a:p>
             <a:pPr>
+              <a:lnSpc>
+                <a:spcPct val="100000"/>
+              </a:lnSpc>
               <a:buSzPct val="45000"/>
               <a:buFont typeface="StarSymbol"/>
-              <a:buChar char=""/>
+              <a:buChar char="l"/>
             </a:pPr>
             <a:r>
               <a:rPr lang="en-US" sz="3200">
@@ -1674,9 +2955,12 @@
           </a:p>
           <a:p>
             <a:pPr>
+              <a:lnSpc>
+                <a:spcPct val="100000"/>
+              </a:lnSpc>
               <a:buSzPct val="45000"/>
               <a:buFont typeface="StarSymbol"/>
-              <a:buChar char=""/>
+              <a:buChar char="l"/>
             </a:pPr>
             <a:r>
               <a:rPr lang="en-US" sz="3200">
@@ -1688,9 +2972,12 @@
           </a:p>
           <a:p>
             <a:pPr>
+              <a:lnSpc>
+                <a:spcPct val="100000"/>
+              </a:lnSpc>
               <a:buSzPct val="45000"/>
               <a:buFont typeface="StarSymbol"/>
-              <a:buChar char=""/>
+              <a:buChar char="l"/>
             </a:pPr>
             <a:r>
               <a:rPr lang="en-US" sz="3200">
@@ -1702,9 +2989,12 @@
           </a:p>
           <a:p>
             <a:pPr>
+              <a:lnSpc>
+                <a:spcPct val="100000"/>
+              </a:lnSpc>
               <a:buSzPct val="45000"/>
               <a:buFont typeface="StarSymbol"/>
-              <a:buChar char=""/>
+              <a:buChar char="l"/>
             </a:pPr>
             <a:r>
               <a:rPr lang="en-US" sz="3200">
@@ -1716,9 +3006,12 @@
           </a:p>
           <a:p>
             <a:pPr>
+              <a:lnSpc>
+                <a:spcPct val="100000"/>
+              </a:lnSpc>
               <a:buSzPct val="45000"/>
               <a:buFont typeface="StarSymbol"/>
-              <a:buChar char=""/>
+              <a:buChar char="l"/>
             </a:pPr>
             <a:r>
               <a:rPr lang="en-US" sz="3200">
@@ -1730,9 +3023,12 @@
           </a:p>
           <a:p>
             <a:pPr>
+              <a:lnSpc>
+                <a:spcPct val="100000"/>
+              </a:lnSpc>
               <a:buSzPct val="45000"/>
               <a:buFont typeface="StarSymbol"/>
-              <a:buChar char=""/>
+              <a:buChar char="l"/>
             </a:pPr>
             <a:r>
               <a:rPr lang="en-US" sz="3200">
@@ -1744,9 +3040,12 @@
           </a:p>
           <a:p>
             <a:pPr>
+              <a:lnSpc>
+                <a:spcPct val="100000"/>
+              </a:lnSpc>
               <a:buSzPct val="45000"/>
               <a:buFont typeface="StarSymbol"/>
-              <a:buChar char=""/>
+              <a:buChar char="l"/>
             </a:pPr>
             <a:r>
               <a:rPr lang="en-US" sz="3200">
@@ -1758,9 +3057,12 @@
           </a:p>
           <a:p>
             <a:pPr>
+              <a:lnSpc>
+                <a:spcPct val="100000"/>
+              </a:lnSpc>
               <a:buSzPct val="45000"/>
               <a:buFont typeface="StarSymbol"/>
-              <a:buChar char=""/>
+              <a:buChar char="l"/>
             </a:pPr>
             <a:r>
               <a:rPr lang="en-US" sz="3200">
@@ -1823,23 +3125,31 @@
       </p:grpSpPr>
       <p:sp>
         <p:nvSpPr>
-          <p:cNvPr id="43" name="TextShape 1"/>
-          <p:cNvSpPr txBox="1"/>
+          <p:cNvPr id="76" name="CustomShape 1"/>
+          <p:cNvSpPr/>
           <p:nvPr/>
         </p:nvSpPr>
         <p:spPr>
           <a:xfrm>
             <a:off x="504000" y="301320"/>
-            <a:ext cx="9071640" cy="1262160"/>
-          </a:xfrm>
-          <a:prstGeom prst="rect">
-            <a:avLst/>
-          </a:prstGeom>
+            <a:ext cx="9071280" cy="1261800"/>
+          </a:xfrm>
+          <a:prstGeom prst="rect">
+            <a:avLst/>
+          </a:prstGeom>
+          <a:noFill/>
+          <a:ln>
+            <a:noFill/>
+          </a:ln>
         </p:spPr>
         <p:txBody>
           <a:bodyPr lIns="0" rIns="0" tIns="0" bIns="0" anchor="ctr"/>
           <a:p>
-            <a:pPr algn="ctr"/>
+            <a:pPr algn="ctr">
+              <a:lnSpc>
+                <a:spcPct val="100000"/>
+              </a:lnSpc>
+            </a:pPr>
             <a:r>
               <a:rPr lang="en-US" sz="4400">
                 <a:latin typeface="Arial"/>
@@ -1852,7 +3162,7 @@
       </p:sp>
       <p:pic>
         <p:nvPicPr>
-          <p:cNvPr id="44" name="" descr=""/>
+          <p:cNvPr id="77" name="" descr=""/>
           <p:cNvPicPr/>
           <p:nvPr/>
         </p:nvPicPr>
@@ -1865,7 +3175,7 @@
         <p:spPr>
           <a:xfrm>
             <a:off x="2375640" y="1782000"/>
-            <a:ext cx="5333760" cy="4000320"/>
+            <a:ext cx="5333400" cy="3999960"/>
           </a:xfrm>
           <a:prstGeom prst="rect">
             <a:avLst/>
@@ -1926,23 +3236,31 @@
       </p:grpSpPr>
       <p:sp>
         <p:nvSpPr>
-          <p:cNvPr id="45" name="TextShape 1"/>
-          <p:cNvSpPr txBox="1"/>
+          <p:cNvPr id="78" name="CustomShape 1"/>
+          <p:cNvSpPr/>
           <p:nvPr/>
         </p:nvSpPr>
         <p:spPr>
           <a:xfrm>
             <a:off x="504000" y="301320"/>
-            <a:ext cx="9071640" cy="1262160"/>
-          </a:xfrm>
-          <a:prstGeom prst="rect">
-            <a:avLst/>
-          </a:prstGeom>
+            <a:ext cx="9071280" cy="1261800"/>
+          </a:xfrm>
+          <a:prstGeom prst="rect">
+            <a:avLst/>
+          </a:prstGeom>
+          <a:noFill/>
+          <a:ln>
+            <a:noFill/>
+          </a:ln>
         </p:spPr>
         <p:txBody>
           <a:bodyPr lIns="0" rIns="0" tIns="0" bIns="0" anchor="ctr"/>
           <a:p>
-            <a:pPr algn="ctr"/>
+            <a:pPr algn="ctr">
+              <a:lnSpc>
+                <a:spcPct val="100000"/>
+              </a:lnSpc>
+            </a:pPr>
             <a:r>
               <a:rPr lang="en-US" sz="4400">
                 <a:latin typeface="Arial"/>
@@ -1955,26 +3273,33 @@
       </p:sp>
       <p:sp>
         <p:nvSpPr>
-          <p:cNvPr id="46" name="TextShape 2"/>
-          <p:cNvSpPr txBox="1"/>
+          <p:cNvPr id="79" name="CustomShape 2"/>
+          <p:cNvSpPr/>
           <p:nvPr/>
         </p:nvSpPr>
         <p:spPr>
           <a:xfrm>
             <a:off x="504000" y="1769040"/>
-            <a:ext cx="9071640" cy="4384440"/>
-          </a:xfrm>
-          <a:prstGeom prst="rect">
-            <a:avLst/>
-          </a:prstGeom>
+            <a:ext cx="9071280" cy="4384080"/>
+          </a:xfrm>
+          <a:prstGeom prst="rect">
+            <a:avLst/>
+          </a:prstGeom>
+          <a:noFill/>
+          <a:ln>
+            <a:noFill/>
+          </a:ln>
         </p:spPr>
         <p:txBody>
           <a:bodyPr lIns="0" rIns="0" tIns="0" bIns="0"/>
           <a:p>
             <a:pPr>
+              <a:lnSpc>
+                <a:spcPct val="100000"/>
+              </a:lnSpc>
               <a:buSzPct val="45000"/>
               <a:buFont typeface="StarSymbol"/>
-              <a:buChar char=""/>
+              <a:buChar char="l"/>
             </a:pPr>
             <a:r>
               <a:rPr lang="en-US" sz="3200">
@@ -2037,30 +3362,27 @@
       </p:grpSpPr>
       <p:sp>
         <p:nvSpPr>
-          <p:cNvPr id="47" name="TextShape 1"/>
-          <p:cNvSpPr txBox="1"/>
+          <p:cNvPr id="80" name="CustomShape 1"/>
+          <p:cNvSpPr/>
           <p:nvPr/>
         </p:nvSpPr>
         <p:spPr>
           <a:xfrm>
             <a:off x="504000" y="301320"/>
-            <a:ext cx="9071640" cy="1262160"/>
-          </a:xfrm>
-          <a:prstGeom prst="rect">
-            <a:avLst/>
-          </a:prstGeom>
-        </p:spPr>
-        <p:txBody>
-          <a:bodyPr lIns="0" rIns="0" tIns="0" bIns="0" anchor="ctr"/>
-          <a:p>
-            <a:pPr algn="ctr"/>
-            <a:endParaRPr/>
-          </a:p>
-        </p:txBody>
+            <a:ext cx="9071280" cy="1261800"/>
+          </a:xfrm>
+          <a:prstGeom prst="rect">
+            <a:avLst/>
+          </a:prstGeom>
+          <a:noFill/>
+          <a:ln>
+            <a:noFill/>
+          </a:ln>
+        </p:spPr>
       </p:sp>
       <p:pic>
         <p:nvPicPr>
-          <p:cNvPr id="48" name="" descr=""/>
+          <p:cNvPr id="81" name="" descr=""/>
           <p:cNvPicPr/>
           <p:nvPr/>
         </p:nvPicPr>
@@ -2073,7 +3395,7 @@
         <p:spPr>
           <a:xfrm>
             <a:off x="2116800" y="1768680"/>
-            <a:ext cx="5845680" cy="4384080"/>
+            <a:ext cx="5845320" cy="4383720"/>
           </a:xfrm>
           <a:prstGeom prst="rect">
             <a:avLst/>
@@ -2134,23 +3456,31 @@
       </p:grpSpPr>
       <p:sp>
         <p:nvSpPr>
-          <p:cNvPr id="49" name="TextShape 1"/>
-          <p:cNvSpPr txBox="1"/>
+          <p:cNvPr id="82" name="CustomShape 1"/>
+          <p:cNvSpPr/>
           <p:nvPr/>
         </p:nvSpPr>
         <p:spPr>
           <a:xfrm>
             <a:off x="504000" y="301320"/>
-            <a:ext cx="9071640" cy="1262160"/>
-          </a:xfrm>
-          <a:prstGeom prst="rect">
-            <a:avLst/>
-          </a:prstGeom>
+            <a:ext cx="9071280" cy="1261800"/>
+          </a:xfrm>
+          <a:prstGeom prst="rect">
+            <a:avLst/>
+          </a:prstGeom>
+          <a:noFill/>
+          <a:ln>
+            <a:noFill/>
+          </a:ln>
         </p:spPr>
         <p:txBody>
           <a:bodyPr lIns="0" rIns="0" tIns="0" bIns="0" anchor="ctr"/>
           <a:p>
-            <a:pPr algn="ctr"/>
+            <a:pPr algn="ctr">
+              <a:lnSpc>
+                <a:spcPct val="100000"/>
+              </a:lnSpc>
+            </a:pPr>
             <a:r>
               <a:rPr lang="en-US" sz="4400">
                 <a:latin typeface="Arial"/>
@@ -2163,26 +3493,33 @@
       </p:sp>
       <p:sp>
         <p:nvSpPr>
-          <p:cNvPr id="50" name="TextShape 2"/>
-          <p:cNvSpPr txBox="1"/>
+          <p:cNvPr id="83" name="CustomShape 2"/>
+          <p:cNvSpPr/>
           <p:nvPr/>
         </p:nvSpPr>
         <p:spPr>
           <a:xfrm>
             <a:off x="504000" y="1769040"/>
-            <a:ext cx="9071640" cy="4384440"/>
-          </a:xfrm>
-          <a:prstGeom prst="rect">
-            <a:avLst/>
-          </a:prstGeom>
+            <a:ext cx="9071280" cy="4384080"/>
+          </a:xfrm>
+          <a:prstGeom prst="rect">
+            <a:avLst/>
+          </a:prstGeom>
+          <a:noFill/>
+          <a:ln>
+            <a:noFill/>
+          </a:ln>
         </p:spPr>
         <p:txBody>
           <a:bodyPr lIns="0" rIns="0" tIns="0" bIns="0"/>
           <a:p>
             <a:pPr>
+              <a:lnSpc>
+                <a:spcPct val="100000"/>
+              </a:lnSpc>
               <a:buSzPct val="45000"/>
               <a:buFont typeface="StarSymbol"/>
-              <a:buChar char=""/>
+              <a:buChar char="l"/>
             </a:pPr>
             <a:r>
               <a:rPr lang="en-US" sz="3200">
@@ -2245,23 +3582,31 @@
       </p:grpSpPr>
       <p:sp>
         <p:nvSpPr>
-          <p:cNvPr id="51" name="TextShape 1"/>
-          <p:cNvSpPr txBox="1"/>
+          <p:cNvPr id="84" name="CustomShape 1"/>
+          <p:cNvSpPr/>
           <p:nvPr/>
         </p:nvSpPr>
         <p:spPr>
           <a:xfrm>
             <a:off x="504000" y="301320"/>
-            <a:ext cx="9071640" cy="1262160"/>
-          </a:xfrm>
-          <a:prstGeom prst="rect">
-            <a:avLst/>
-          </a:prstGeom>
+            <a:ext cx="9071280" cy="1261800"/>
+          </a:xfrm>
+          <a:prstGeom prst="rect">
+            <a:avLst/>
+          </a:prstGeom>
+          <a:noFill/>
+          <a:ln>
+            <a:noFill/>
+          </a:ln>
         </p:spPr>
         <p:txBody>
           <a:bodyPr lIns="0" rIns="0" tIns="0" bIns="0" anchor="ctr"/>
           <a:p>
-            <a:pPr algn="ctr"/>
+            <a:pPr algn="ctr">
+              <a:lnSpc>
+                <a:spcPct val="100000"/>
+              </a:lnSpc>
+            </a:pPr>
             <a:r>
               <a:rPr lang="en-US" sz="4400">
                 <a:latin typeface="Arial"/>
@@ -2274,32 +3619,39 @@
       </p:sp>
       <p:sp>
         <p:nvSpPr>
-          <p:cNvPr id="52" name="TextShape 2"/>
-          <p:cNvSpPr txBox="1"/>
+          <p:cNvPr id="85" name="CustomShape 2"/>
+          <p:cNvSpPr/>
           <p:nvPr/>
         </p:nvSpPr>
         <p:spPr>
           <a:xfrm>
             <a:off x="504000" y="1769040"/>
-            <a:ext cx="9071640" cy="4384440"/>
-          </a:xfrm>
-          <a:prstGeom prst="rect">
-            <a:avLst/>
-          </a:prstGeom>
+            <a:ext cx="9071280" cy="4384080"/>
+          </a:xfrm>
+          <a:prstGeom prst="rect">
+            <a:avLst/>
+          </a:prstGeom>
+          <a:noFill/>
+          <a:ln>
+            <a:noFill/>
+          </a:ln>
         </p:spPr>
         <p:txBody>
           <a:bodyPr lIns="0" rIns="0" tIns="0" bIns="0"/>
           <a:p>
             <a:pPr>
+              <a:lnSpc>
+                <a:spcPct val="100000"/>
+              </a:lnSpc>
               <a:buSzPct val="45000"/>
               <a:buFont typeface="StarSymbol"/>
-              <a:buChar char=""/>
+              <a:buChar char="l"/>
             </a:pPr>
             <a:r>
               <a:rPr lang="en-US" sz="3200">
                 <a:latin typeface="Arial"/>
               </a:rPr>
-              <a:t>Overall, the GPS positioning was relatively accurate. GPS should not be used for ultra precise location services but regardless it gives a good estimate on the location. Furthermore, the noise distribution seems to be relatively even because in both cases it seemed to be coming back to the correct location. For example, while the gps was moving, it would serve left and right of the trajectory but would never veer to far of course. After veering one direction it seemed to veer the other direction which would average out to the correct line.  </a:t>
+              <a:t>Overall, the GPS positioning was relatively accurate. GPS should not be used for ultra precise location services but regardless it gives a good estimate on the location. Furthermore, the noise distribution seems to be relatively even because in both cases it seemed to be coming back to the correct location. For example, while the gps was moving, it would serve left and right of the trajectory but would never veer to far of course. After veering one direction it seemed to veer the other direction which would average out to the correct line. For us the biggest factors were the scattering of the signals from the building which would be  a non-guassian distribution. Also, the position of the Satellites at that time could affect the  gps data. It depends  on how spread out the Satellites are  </a:t>
             </a:r>
             <a:endParaRPr/>
           </a:p>
@@ -2558,4 +3910,227 @@
     </a:fmtScheme>
   </a:themeElements>
 </a:theme>
+</file>
+
+<file path=ppt/theme/theme2.xml><?xml version="1.0" encoding="utf-8"?>
+<a:theme xmlns:a="http://schemas.openxmlformats.org/drawingml/2006/main" name="Office Theme">
+  <a:themeElements>
+    <a:clrScheme name="Office">
+      <a:dk1>
+        <a:sysClr val="windowText" lastClr="000000"/>
+      </a:dk1>
+      <a:lt1>
+        <a:sysClr val="window" lastClr="FFFFFF"/>
+      </a:lt1>
+      <a:dk2>
+        <a:srgbClr val="1F497D"/>
+      </a:dk2>
+      <a:lt2>
+        <a:srgbClr val="EEECE1"/>
+      </a:lt2>
+      <a:accent1>
+        <a:srgbClr val="4F81BD"/>
+      </a:accent1>
+      <a:accent2>
+        <a:srgbClr val="C0504D"/>
+      </a:accent2>
+      <a:accent3>
+        <a:srgbClr val="9BBB59"/>
+      </a:accent3>
+      <a:accent4>
+        <a:srgbClr val="8064A2"/>
+      </a:accent4>
+      <a:accent5>
+        <a:srgbClr val="4BACC6"/>
+      </a:accent5>
+      <a:accent6>
+        <a:srgbClr val="F79646"/>
+      </a:accent6>
+      <a:hlink>
+        <a:srgbClr val="0000FF"/>
+      </a:hlink>
+      <a:folHlink>
+        <a:srgbClr val="800080"/>
+      </a:folHlink>
+    </a:clrScheme>
+    <a:fontScheme name="Office">
+      <a:majorFont>
+        <a:latin typeface="Arial"/>
+        <a:ea typeface="DejaVu Sans"/>
+        <a:cs typeface="DejaVu Sans"/>
+      </a:majorFont>
+      <a:minorFont>
+        <a:latin typeface="Arial"/>
+        <a:ea typeface="DejaVu Sans"/>
+        <a:cs typeface="DejaVu Sans"/>
+      </a:minorFont>
+    </a:fontScheme>
+    <a:fmtScheme name="Office">
+      <a:fillStyleLst>
+        <a:solidFill>
+          <a:schemeClr val="phClr"/>
+        </a:solidFill>
+        <a:gradFill rotWithShape="1">
+          <a:gsLst>
+            <a:gs pos="0">
+              <a:schemeClr val="phClr">
+                <a:tint val="50000"/>
+                <a:satMod val="300000"/>
+              </a:schemeClr>
+            </a:gs>
+            <a:gs pos="35000">
+              <a:schemeClr val="phClr">
+                <a:tint val="37000"/>
+                <a:satMod val="300000"/>
+              </a:schemeClr>
+            </a:gs>
+            <a:gs pos="100000">
+              <a:schemeClr val="phClr">
+                <a:tint val="15000"/>
+                <a:satMod val="350000"/>
+              </a:schemeClr>
+            </a:gs>
+          </a:gsLst>
+          <a:lin ang="16200000" scaled="1"/>
+        </a:gradFill>
+        <a:gradFill rotWithShape="1">
+          <a:gsLst>
+            <a:gs pos="0">
+              <a:schemeClr val="phClr">
+                <a:shade val="51000"/>
+                <a:satMod val="130000"/>
+              </a:schemeClr>
+            </a:gs>
+            <a:gs pos="80000">
+              <a:schemeClr val="phClr">
+                <a:shade val="93000"/>
+                <a:satMod val="130000"/>
+              </a:schemeClr>
+            </a:gs>
+            <a:gs pos="100000">
+              <a:schemeClr val="phClr">
+                <a:shade val="94000"/>
+                <a:satMod val="135000"/>
+              </a:schemeClr>
+            </a:gs>
+          </a:gsLst>
+          <a:lin ang="16200000" scaled="0"/>
+        </a:gradFill>
+      </a:fillStyleLst>
+      <a:lnStyleLst>
+        <a:ln w="9525" cap="flat" cmpd="sng" algn="ctr">
+          <a:solidFill>
+            <a:schemeClr val="phClr">
+              <a:shade val="95000"/>
+              <a:satMod val="105000"/>
+            </a:schemeClr>
+          </a:solidFill>
+          <a:prstDash val="solid"/>
+        </a:ln>
+        <a:ln w="25400" cap="flat" cmpd="sng" algn="ctr">
+          <a:solidFill>
+            <a:schemeClr val="phClr"/>
+          </a:solidFill>
+          <a:prstDash val="solid"/>
+        </a:ln>
+        <a:ln w="38100" cap="flat" cmpd="sng" algn="ctr">
+          <a:solidFill>
+            <a:schemeClr val="phClr"/>
+          </a:solidFill>
+          <a:prstDash val="solid"/>
+        </a:ln>
+      </a:lnStyleLst>
+      <a:effectStyleLst>
+        <a:effectStyle>
+          <a:effectLst>
+            <a:outerShdw blurRad="40000" dist="20000" dir="5400000" rotWithShape="0">
+              <a:srgbClr val="000000">
+                <a:alpha val="38000"/>
+              </a:srgbClr>
+            </a:outerShdw>
+          </a:effectLst>
+        </a:effectStyle>
+        <a:effectStyle>
+          <a:effectLst>
+            <a:outerShdw blurRad="40000" dist="23000" dir="5400000" rotWithShape="0">
+              <a:srgbClr val="000000">
+                <a:alpha val="35000"/>
+              </a:srgbClr>
+            </a:outerShdw>
+          </a:effectLst>
+        </a:effectStyle>
+        <a:effectStyle>
+          <a:effectLst>
+            <a:outerShdw blurRad="40000" dist="23000" dir="5400000" rotWithShape="0">
+              <a:srgbClr val="000000">
+                <a:alpha val="35000"/>
+              </a:srgbClr>
+            </a:outerShdw>
+          </a:effectLst>
+          <a:scene3d>
+            <a:camera prst="orthographicFront">
+              <a:rot lat="0" lon="0" rev="0"/>
+            </a:camera>
+            <a:lightRig rig="threePt" dir="t">
+              <a:rot lat="0" lon="0" rev="1200000"/>
+            </a:lightRig>
+          </a:scene3d>
+          <a:sp3d>
+            <a:bevelT w="63500" h="25400"/>
+          </a:sp3d>
+        </a:effectStyle>
+      </a:effectStyleLst>
+      <a:bgFillStyleLst>
+        <a:solidFill>
+          <a:schemeClr val="phClr"/>
+        </a:solidFill>
+        <a:gradFill rotWithShape="1">
+          <a:gsLst>
+            <a:gs pos="0">
+              <a:schemeClr val="phClr">
+                <a:tint val="40000"/>
+                <a:satMod val="350000"/>
+              </a:schemeClr>
+            </a:gs>
+            <a:gs pos="40000">
+              <a:schemeClr val="phClr">
+                <a:tint val="45000"/>
+                <a:shade val="99000"/>
+                <a:satMod val="350000"/>
+              </a:schemeClr>
+            </a:gs>
+            <a:gs pos="100000">
+              <a:schemeClr val="phClr">
+                <a:shade val="20000"/>
+                <a:satMod val="255000"/>
+              </a:schemeClr>
+            </a:gs>
+          </a:gsLst>
+          <a:path path="circle">
+            <a:fillToRect l="50000" t="-80000" r="50000" b="180000"/>
+          </a:path>
+        </a:gradFill>
+        <a:gradFill rotWithShape="1">
+          <a:gsLst>
+            <a:gs pos="0">
+              <a:schemeClr val="phClr">
+                <a:tint val="80000"/>
+                <a:satMod val="300000"/>
+              </a:schemeClr>
+            </a:gs>
+            <a:gs pos="100000">
+              <a:schemeClr val="phClr">
+                <a:shade val="30000"/>
+                <a:satMod val="200000"/>
+              </a:schemeClr>
+            </a:gs>
+          </a:gsLst>
+          <a:path path="circle">
+            <a:fillToRect l="50000" t="50000" r="50000" b="50000"/>
+          </a:path>
+        </a:gradFill>
+      </a:bgFillStyleLst>
+    </a:fmtScheme>
+  </a:themeElements>
+</a:theme>
 </file>
--- a/homework3/Homework3.pptx
+++ b/homework3/Homework3.pptx
@@ -13,6 +13,7 @@
     <p:sldId id="260" r:id="rId8"/>
     <p:sldId id="261" r:id="rId9"/>
     <p:sldId id="262" r:id="rId10"/>
+    <p:sldId id="263" r:id="rId11"/>
   </p:sldIdLst>
   <p:sldSz cx="10080625" cy="7559675"/>
   <p:notesSz cx="7772400" cy="10058400"/>
@@ -71,7 +72,7 @@
         <p:spPr>
           <a:xfrm>
             <a:off x="504000" y="301320"/>
-            <a:ext cx="9071280" cy="1262520"/>
+            <a:ext cx="9072000" cy="1262160"/>
           </a:xfrm>
           <a:prstGeom prst="rect">
             <a:avLst/>
@@ -97,8 +98,8 @@
         </p:nvSpPr>
         <p:spPr>
           <a:xfrm>
-            <a:off x="504000" y="1769040"/>
-            <a:ext cx="9071280" cy="2090880"/>
+            <a:off x="504000" y="1768680"/>
+            <a:ext cx="9072000" cy="2090880"/>
           </a:xfrm>
           <a:prstGeom prst="rect">
             <a:avLst/>
@@ -123,8 +124,8 @@
         </p:nvSpPr>
         <p:spPr>
           <a:xfrm>
-            <a:off x="504000" y="4059000"/>
-            <a:ext cx="9071280" cy="2090880"/>
+            <a:off x="504000" y="4058640"/>
+            <a:ext cx="9072000" cy="2090880"/>
           </a:xfrm>
           <a:prstGeom prst="rect">
             <a:avLst/>
@@ -172,7 +173,7 @@
         <p:spPr>
           <a:xfrm>
             <a:off x="504000" y="301320"/>
-            <a:ext cx="9071280" cy="1262520"/>
+            <a:ext cx="9072000" cy="1262160"/>
           </a:xfrm>
           <a:prstGeom prst="rect">
             <a:avLst/>
@@ -198,8 +199,8 @@
         </p:nvSpPr>
         <p:spPr>
           <a:xfrm>
-            <a:off x="504000" y="1769040"/>
-            <a:ext cx="4426560" cy="2090880"/>
+            <a:off x="504000" y="1768680"/>
+            <a:ext cx="4426920" cy="2090880"/>
           </a:xfrm>
           <a:prstGeom prst="rect">
             <a:avLst/>
@@ -224,8 +225,8 @@
         </p:nvSpPr>
         <p:spPr>
           <a:xfrm>
-            <a:off x="5152320" y="1769040"/>
-            <a:ext cx="4426560" cy="2090880"/>
+            <a:off x="5152680" y="1768680"/>
+            <a:ext cx="4426920" cy="2090880"/>
           </a:xfrm>
           <a:prstGeom prst="rect">
             <a:avLst/>
@@ -250,8 +251,8 @@
         </p:nvSpPr>
         <p:spPr>
           <a:xfrm>
-            <a:off x="5152320" y="4059000"/>
-            <a:ext cx="4426560" cy="2090880"/>
+            <a:off x="5152680" y="4058640"/>
+            <a:ext cx="4426920" cy="2090880"/>
           </a:xfrm>
           <a:prstGeom prst="rect">
             <a:avLst/>
@@ -276,8 +277,8 @@
         </p:nvSpPr>
         <p:spPr>
           <a:xfrm>
-            <a:off x="504000" y="4059000"/>
-            <a:ext cx="4426560" cy="2090880"/>
+            <a:off x="504000" y="4058640"/>
+            <a:ext cx="4426920" cy="2090880"/>
           </a:xfrm>
           <a:prstGeom prst="rect">
             <a:avLst/>
@@ -325,7 +326,7 @@
         <p:spPr>
           <a:xfrm>
             <a:off x="504000" y="301320"/>
-            <a:ext cx="9071280" cy="1262520"/>
+            <a:ext cx="9072000" cy="1262160"/>
           </a:xfrm>
           <a:prstGeom prst="rect">
             <a:avLst/>
@@ -351,8 +352,8 @@
         </p:nvSpPr>
         <p:spPr>
           <a:xfrm>
-            <a:off x="504000" y="1769040"/>
-            <a:ext cx="9071280" cy="4384080"/>
+            <a:off x="504000" y="1768680"/>
+            <a:ext cx="9072000" cy="4384080"/>
           </a:xfrm>
           <a:prstGeom prst="rect">
             <a:avLst/>
@@ -377,8 +378,8 @@
         </p:nvSpPr>
         <p:spPr>
           <a:xfrm>
-            <a:off x="504000" y="1769040"/>
-            <a:ext cx="9071280" cy="4384080"/>
+            <a:off x="504000" y="1768680"/>
+            <a:ext cx="9072000" cy="4384080"/>
           </a:xfrm>
           <a:prstGeom prst="rect">
             <a:avLst/>
@@ -405,7 +406,7 @@
         </p:blipFill>
         <p:spPr>
           <a:xfrm>
-            <a:off x="2292120" y="1769040"/>
+            <a:off x="2292480" y="1768680"/>
             <a:ext cx="5494680" cy="4384080"/>
           </a:xfrm>
           <a:prstGeom prst="rect">
@@ -430,7 +431,7 @@
         </p:blipFill>
         <p:spPr>
           <a:xfrm>
-            <a:off x="2292120" y="1769040"/>
+            <a:off x="2292480" y="1768680"/>
             <a:ext cx="5494680" cy="4384080"/>
           </a:xfrm>
           <a:prstGeom prst="rect">
@@ -498,7 +499,7 @@
         <p:spPr>
           <a:xfrm>
             <a:off x="504000" y="301320"/>
-            <a:ext cx="9071280" cy="1262520"/>
+            <a:ext cx="9072000" cy="1262160"/>
           </a:xfrm>
           <a:prstGeom prst="rect">
             <a:avLst/>
@@ -524,8 +525,8 @@
         </p:nvSpPr>
         <p:spPr>
           <a:xfrm>
-            <a:off x="504000" y="1769040"/>
-            <a:ext cx="9071280" cy="4384440"/>
+            <a:off x="504000" y="1768680"/>
+            <a:ext cx="9072000" cy="4384440"/>
           </a:xfrm>
           <a:prstGeom prst="rect">
             <a:avLst/>
@@ -574,7 +575,7 @@
         <p:spPr>
           <a:xfrm>
             <a:off x="504000" y="301320"/>
-            <a:ext cx="9071280" cy="1262520"/>
+            <a:ext cx="9072000" cy="1262160"/>
           </a:xfrm>
           <a:prstGeom prst="rect">
             <a:avLst/>
@@ -600,8 +601,8 @@
         </p:nvSpPr>
         <p:spPr>
           <a:xfrm>
-            <a:off x="504000" y="1769040"/>
-            <a:ext cx="9071280" cy="4384080"/>
+            <a:off x="504000" y="1768680"/>
+            <a:ext cx="9072000" cy="4384080"/>
           </a:xfrm>
           <a:prstGeom prst="rect">
             <a:avLst/>
@@ -649,7 +650,7 @@
         <p:spPr>
           <a:xfrm>
             <a:off x="504000" y="301320"/>
-            <a:ext cx="9071280" cy="1262520"/>
+            <a:ext cx="9072000" cy="1262160"/>
           </a:xfrm>
           <a:prstGeom prst="rect">
             <a:avLst/>
@@ -675,8 +676,8 @@
         </p:nvSpPr>
         <p:spPr>
           <a:xfrm>
-            <a:off x="504000" y="1769040"/>
-            <a:ext cx="4426560" cy="4384080"/>
+            <a:off x="504000" y="1768680"/>
+            <a:ext cx="4426920" cy="4384080"/>
           </a:xfrm>
           <a:prstGeom prst="rect">
             <a:avLst/>
@@ -701,8 +702,8 @@
         </p:nvSpPr>
         <p:spPr>
           <a:xfrm>
-            <a:off x="5152320" y="1769040"/>
-            <a:ext cx="4426560" cy="4384080"/>
+            <a:off x="5152680" y="1768680"/>
+            <a:ext cx="4426920" cy="4384080"/>
           </a:xfrm>
           <a:prstGeom prst="rect">
             <a:avLst/>
@@ -750,7 +751,7 @@
         <p:spPr>
           <a:xfrm>
             <a:off x="504000" y="301320"/>
-            <a:ext cx="9071280" cy="1262520"/>
+            <a:ext cx="9072000" cy="1262160"/>
           </a:xfrm>
           <a:prstGeom prst="rect">
             <a:avLst/>
@@ -799,7 +800,7 @@
         <p:spPr>
           <a:xfrm>
             <a:off x="504000" y="301320"/>
-            <a:ext cx="9071280" cy="5852160"/>
+            <a:ext cx="9072000" cy="5850720"/>
           </a:xfrm>
           <a:prstGeom prst="rect">
             <a:avLst/>
@@ -848,7 +849,7 @@
         <p:spPr>
           <a:xfrm>
             <a:off x="504000" y="301320"/>
-            <a:ext cx="9071280" cy="1262520"/>
+            <a:ext cx="9072000" cy="1262160"/>
           </a:xfrm>
           <a:prstGeom prst="rect">
             <a:avLst/>
@@ -874,8 +875,8 @@
         </p:nvSpPr>
         <p:spPr>
           <a:xfrm>
-            <a:off x="504000" y="1769040"/>
-            <a:ext cx="4426560" cy="2090880"/>
+            <a:off x="504000" y="1768680"/>
+            <a:ext cx="4426920" cy="2090880"/>
           </a:xfrm>
           <a:prstGeom prst="rect">
             <a:avLst/>
@@ -900,8 +901,8 @@
         </p:nvSpPr>
         <p:spPr>
           <a:xfrm>
-            <a:off x="504000" y="4059000"/>
-            <a:ext cx="4426560" cy="2090880"/>
+            <a:off x="504000" y="4058640"/>
+            <a:ext cx="4426920" cy="2090880"/>
           </a:xfrm>
           <a:prstGeom prst="rect">
             <a:avLst/>
@@ -926,8 +927,8 @@
         </p:nvSpPr>
         <p:spPr>
           <a:xfrm>
-            <a:off x="5152320" y="1769040"/>
-            <a:ext cx="4426560" cy="4384080"/>
+            <a:off x="5152680" y="1768680"/>
+            <a:ext cx="4426920" cy="4384080"/>
           </a:xfrm>
           <a:prstGeom prst="rect">
             <a:avLst/>
@@ -975,7 +976,7 @@
         <p:spPr>
           <a:xfrm>
             <a:off x="504000" y="301320"/>
-            <a:ext cx="9071280" cy="1262520"/>
+            <a:ext cx="9072000" cy="1262160"/>
           </a:xfrm>
           <a:prstGeom prst="rect">
             <a:avLst/>
@@ -1001,8 +1002,8 @@
         </p:nvSpPr>
         <p:spPr>
           <a:xfrm>
-            <a:off x="504000" y="1769040"/>
-            <a:ext cx="9071280" cy="4384440"/>
+            <a:off x="504000" y="1768680"/>
+            <a:ext cx="9072000" cy="4384440"/>
           </a:xfrm>
           <a:prstGeom prst="rect">
             <a:avLst/>
@@ -1051,7 +1052,7 @@
         <p:spPr>
           <a:xfrm>
             <a:off x="504000" y="301320"/>
-            <a:ext cx="9071280" cy="1262520"/>
+            <a:ext cx="9072000" cy="1262160"/>
           </a:xfrm>
           <a:prstGeom prst="rect">
             <a:avLst/>
@@ -1077,8 +1078,8 @@
         </p:nvSpPr>
         <p:spPr>
           <a:xfrm>
-            <a:off x="504000" y="1769040"/>
-            <a:ext cx="4426560" cy="4384080"/>
+            <a:off x="504000" y="1768680"/>
+            <a:ext cx="4426920" cy="4384080"/>
           </a:xfrm>
           <a:prstGeom prst="rect">
             <a:avLst/>
@@ -1103,8 +1104,8 @@
         </p:nvSpPr>
         <p:spPr>
           <a:xfrm>
-            <a:off x="5152320" y="1769040"/>
-            <a:ext cx="4426560" cy="2090880"/>
+            <a:off x="5152680" y="1768680"/>
+            <a:ext cx="4426920" cy="2090880"/>
           </a:xfrm>
           <a:prstGeom prst="rect">
             <a:avLst/>
@@ -1129,8 +1130,8 @@
         </p:nvSpPr>
         <p:spPr>
           <a:xfrm>
-            <a:off x="5152320" y="4059000"/>
-            <a:ext cx="4426560" cy="2090880"/>
+            <a:off x="5152680" y="4058640"/>
+            <a:ext cx="4426920" cy="2090880"/>
           </a:xfrm>
           <a:prstGeom prst="rect">
             <a:avLst/>
@@ -1178,7 +1179,7 @@
         <p:spPr>
           <a:xfrm>
             <a:off x="504000" y="301320"/>
-            <a:ext cx="9071280" cy="1262520"/>
+            <a:ext cx="9072000" cy="1262160"/>
           </a:xfrm>
           <a:prstGeom prst="rect">
             <a:avLst/>
@@ -1204,8 +1205,8 @@
         </p:nvSpPr>
         <p:spPr>
           <a:xfrm>
-            <a:off x="504000" y="1769040"/>
-            <a:ext cx="4426560" cy="2090880"/>
+            <a:off x="504000" y="1768680"/>
+            <a:ext cx="4426920" cy="2090880"/>
           </a:xfrm>
           <a:prstGeom prst="rect">
             <a:avLst/>
@@ -1230,8 +1231,8 @@
         </p:nvSpPr>
         <p:spPr>
           <a:xfrm>
-            <a:off x="5152320" y="1769040"/>
-            <a:ext cx="4426560" cy="2090880"/>
+            <a:off x="5152680" y="1768680"/>
+            <a:ext cx="4426920" cy="2090880"/>
           </a:xfrm>
           <a:prstGeom prst="rect">
             <a:avLst/>
@@ -1256,8 +1257,8 @@
         </p:nvSpPr>
         <p:spPr>
           <a:xfrm>
-            <a:off x="504000" y="4059000"/>
-            <a:ext cx="9071280" cy="2090880"/>
+            <a:off x="504000" y="4058640"/>
+            <a:ext cx="9072000" cy="2090880"/>
           </a:xfrm>
           <a:prstGeom prst="rect">
             <a:avLst/>
@@ -1305,7 +1306,7 @@
         <p:spPr>
           <a:xfrm>
             <a:off x="504000" y="301320"/>
-            <a:ext cx="9071280" cy="1262520"/>
+            <a:ext cx="9072000" cy="1262160"/>
           </a:xfrm>
           <a:prstGeom prst="rect">
             <a:avLst/>
@@ -1331,8 +1332,8 @@
         </p:nvSpPr>
         <p:spPr>
           <a:xfrm>
-            <a:off x="504000" y="1769040"/>
-            <a:ext cx="9071280" cy="2090880"/>
+            <a:off x="504000" y="1768680"/>
+            <a:ext cx="9072000" cy="2090880"/>
           </a:xfrm>
           <a:prstGeom prst="rect">
             <a:avLst/>
@@ -1357,8 +1358,8 @@
         </p:nvSpPr>
         <p:spPr>
           <a:xfrm>
-            <a:off x="504000" y="4059000"/>
-            <a:ext cx="9071280" cy="2090880"/>
+            <a:off x="504000" y="4058640"/>
+            <a:ext cx="9072000" cy="2090880"/>
           </a:xfrm>
           <a:prstGeom prst="rect">
             <a:avLst/>
@@ -1406,7 +1407,7 @@
         <p:spPr>
           <a:xfrm>
             <a:off x="504000" y="301320"/>
-            <a:ext cx="9071280" cy="1262520"/>
+            <a:ext cx="9072000" cy="1262160"/>
           </a:xfrm>
           <a:prstGeom prst="rect">
             <a:avLst/>
@@ -1432,8 +1433,8 @@
         </p:nvSpPr>
         <p:spPr>
           <a:xfrm>
-            <a:off x="504000" y="1769040"/>
-            <a:ext cx="4426560" cy="2090880"/>
+            <a:off x="504000" y="1768680"/>
+            <a:ext cx="4426920" cy="2090880"/>
           </a:xfrm>
           <a:prstGeom prst="rect">
             <a:avLst/>
@@ -1458,8 +1459,8 @@
         </p:nvSpPr>
         <p:spPr>
           <a:xfrm>
-            <a:off x="5152320" y="1769040"/>
-            <a:ext cx="4426560" cy="2090880"/>
+            <a:off x="5152680" y="1768680"/>
+            <a:ext cx="4426920" cy="2090880"/>
           </a:xfrm>
           <a:prstGeom prst="rect">
             <a:avLst/>
@@ -1484,8 +1485,8 @@
         </p:nvSpPr>
         <p:spPr>
           <a:xfrm>
-            <a:off x="5152320" y="4059000"/>
-            <a:ext cx="4426560" cy="2090880"/>
+            <a:off x="5152680" y="4058640"/>
+            <a:ext cx="4426920" cy="2090880"/>
           </a:xfrm>
           <a:prstGeom prst="rect">
             <a:avLst/>
@@ -1510,8 +1511,8 @@
         </p:nvSpPr>
         <p:spPr>
           <a:xfrm>
-            <a:off x="504000" y="4059000"/>
-            <a:ext cx="4426560" cy="2090880"/>
+            <a:off x="504000" y="4058640"/>
+            <a:ext cx="4426920" cy="2090880"/>
           </a:xfrm>
           <a:prstGeom prst="rect">
             <a:avLst/>
@@ -1559,7 +1560,7 @@
         <p:spPr>
           <a:xfrm>
             <a:off x="504000" y="301320"/>
-            <a:ext cx="9071280" cy="1262520"/>
+            <a:ext cx="9072000" cy="1262160"/>
           </a:xfrm>
           <a:prstGeom prst="rect">
             <a:avLst/>
@@ -1585,8 +1586,8 @@
         </p:nvSpPr>
         <p:spPr>
           <a:xfrm>
-            <a:off x="504000" y="1769040"/>
-            <a:ext cx="9071280" cy="4384080"/>
+            <a:off x="504000" y="1768680"/>
+            <a:ext cx="9072000" cy="4384080"/>
           </a:xfrm>
           <a:prstGeom prst="rect">
             <a:avLst/>
@@ -1611,8 +1612,8 @@
         </p:nvSpPr>
         <p:spPr>
           <a:xfrm>
-            <a:off x="504000" y="1769040"/>
-            <a:ext cx="9071280" cy="4384080"/>
+            <a:off x="504000" y="1768680"/>
+            <a:ext cx="9072000" cy="4384080"/>
           </a:xfrm>
           <a:prstGeom prst="rect">
             <a:avLst/>
@@ -1639,7 +1640,7 @@
         </p:blipFill>
         <p:spPr>
           <a:xfrm>
-            <a:off x="2292120" y="1769040"/>
+            <a:off x="2292480" y="1768680"/>
             <a:ext cx="5494680" cy="4384080"/>
           </a:xfrm>
           <a:prstGeom prst="rect">
@@ -1664,7 +1665,7 @@
         </p:blipFill>
         <p:spPr>
           <a:xfrm>
-            <a:off x="2292120" y="1769040"/>
+            <a:off x="2292480" y="1768680"/>
             <a:ext cx="5494680" cy="4384080"/>
           </a:xfrm>
           <a:prstGeom prst="rect">
@@ -1710,7 +1711,7 @@
         <p:spPr>
           <a:xfrm>
             <a:off x="504000" y="301320"/>
-            <a:ext cx="9071280" cy="1262520"/>
+            <a:ext cx="9072000" cy="1262160"/>
           </a:xfrm>
           <a:prstGeom prst="rect">
             <a:avLst/>
@@ -1736,8 +1737,8 @@
         </p:nvSpPr>
         <p:spPr>
           <a:xfrm>
-            <a:off x="504000" y="1769040"/>
-            <a:ext cx="9071280" cy="4384080"/>
+            <a:off x="504000" y="1768680"/>
+            <a:ext cx="9072000" cy="4384080"/>
           </a:xfrm>
           <a:prstGeom prst="rect">
             <a:avLst/>
@@ -1785,7 +1786,7 @@
         <p:spPr>
           <a:xfrm>
             <a:off x="504000" y="301320"/>
-            <a:ext cx="9071280" cy="1262520"/>
+            <a:ext cx="9072000" cy="1262160"/>
           </a:xfrm>
           <a:prstGeom prst="rect">
             <a:avLst/>
@@ -1811,8 +1812,8 @@
         </p:nvSpPr>
         <p:spPr>
           <a:xfrm>
-            <a:off x="504000" y="1769040"/>
-            <a:ext cx="4426560" cy="4384080"/>
+            <a:off x="504000" y="1768680"/>
+            <a:ext cx="4426920" cy="4384080"/>
           </a:xfrm>
           <a:prstGeom prst="rect">
             <a:avLst/>
@@ -1837,8 +1838,8 @@
         </p:nvSpPr>
         <p:spPr>
           <a:xfrm>
-            <a:off x="5152320" y="1769040"/>
-            <a:ext cx="4426560" cy="4384080"/>
+            <a:off x="5152680" y="1768680"/>
+            <a:ext cx="4426920" cy="4384080"/>
           </a:xfrm>
           <a:prstGeom prst="rect">
             <a:avLst/>
@@ -1886,7 +1887,7 @@
         <p:spPr>
           <a:xfrm>
             <a:off x="504000" y="301320"/>
-            <a:ext cx="9071280" cy="1262520"/>
+            <a:ext cx="9072000" cy="1262160"/>
           </a:xfrm>
           <a:prstGeom prst="rect">
             <a:avLst/>
@@ -1935,7 +1936,7 @@
         <p:spPr>
           <a:xfrm>
             <a:off x="504000" y="301320"/>
-            <a:ext cx="9071280" cy="5852160"/>
+            <a:ext cx="9072000" cy="5850720"/>
           </a:xfrm>
           <a:prstGeom prst="rect">
             <a:avLst/>
@@ -1984,7 +1985,7 @@
         <p:spPr>
           <a:xfrm>
             <a:off x="504000" y="301320"/>
-            <a:ext cx="9071280" cy="1262520"/>
+            <a:ext cx="9072000" cy="1262160"/>
           </a:xfrm>
           <a:prstGeom prst="rect">
             <a:avLst/>
@@ -2010,8 +2011,8 @@
         </p:nvSpPr>
         <p:spPr>
           <a:xfrm>
-            <a:off x="504000" y="1769040"/>
-            <a:ext cx="4426560" cy="2090880"/>
+            <a:off x="504000" y="1768680"/>
+            <a:ext cx="4426920" cy="2090880"/>
           </a:xfrm>
           <a:prstGeom prst="rect">
             <a:avLst/>
@@ -2036,8 +2037,8 @@
         </p:nvSpPr>
         <p:spPr>
           <a:xfrm>
-            <a:off x="504000" y="4059000"/>
-            <a:ext cx="4426560" cy="2090880"/>
+            <a:off x="504000" y="4058640"/>
+            <a:ext cx="4426920" cy="2090880"/>
           </a:xfrm>
           <a:prstGeom prst="rect">
             <a:avLst/>
@@ -2062,8 +2063,8 @@
         </p:nvSpPr>
         <p:spPr>
           <a:xfrm>
-            <a:off x="5152320" y="1769040"/>
-            <a:ext cx="4426560" cy="4384080"/>
+            <a:off x="5152680" y="1768680"/>
+            <a:ext cx="4426920" cy="4384080"/>
           </a:xfrm>
           <a:prstGeom prst="rect">
             <a:avLst/>
@@ -2111,7 +2112,7 @@
         <p:spPr>
           <a:xfrm>
             <a:off x="504000" y="301320"/>
-            <a:ext cx="9071280" cy="1262520"/>
+            <a:ext cx="9072000" cy="1262160"/>
           </a:xfrm>
           <a:prstGeom prst="rect">
             <a:avLst/>
@@ -2137,8 +2138,8 @@
         </p:nvSpPr>
         <p:spPr>
           <a:xfrm>
-            <a:off x="504000" y="1769040"/>
-            <a:ext cx="4426560" cy="4384080"/>
+            <a:off x="504000" y="1768680"/>
+            <a:ext cx="4426920" cy="4384080"/>
           </a:xfrm>
           <a:prstGeom prst="rect">
             <a:avLst/>
@@ -2163,8 +2164,8 @@
         </p:nvSpPr>
         <p:spPr>
           <a:xfrm>
-            <a:off x="5152320" y="1769040"/>
-            <a:ext cx="4426560" cy="2090880"/>
+            <a:off x="5152680" y="1768680"/>
+            <a:ext cx="4426920" cy="2090880"/>
           </a:xfrm>
           <a:prstGeom prst="rect">
             <a:avLst/>
@@ -2189,8 +2190,8 @@
         </p:nvSpPr>
         <p:spPr>
           <a:xfrm>
-            <a:off x="5152320" y="4059000"/>
-            <a:ext cx="4426560" cy="2090880"/>
+            <a:off x="5152680" y="4058640"/>
+            <a:ext cx="4426920" cy="2090880"/>
           </a:xfrm>
           <a:prstGeom prst="rect">
             <a:avLst/>
@@ -2238,7 +2239,7 @@
         <p:spPr>
           <a:xfrm>
             <a:off x="504000" y="301320"/>
-            <a:ext cx="9071280" cy="1262520"/>
+            <a:ext cx="9072000" cy="1262160"/>
           </a:xfrm>
           <a:prstGeom prst="rect">
             <a:avLst/>
@@ -2264,8 +2265,8 @@
         </p:nvSpPr>
         <p:spPr>
           <a:xfrm>
-            <a:off x="504000" y="1769040"/>
-            <a:ext cx="4426560" cy="2090880"/>
+            <a:off x="504000" y="1768680"/>
+            <a:ext cx="4426920" cy="2090880"/>
           </a:xfrm>
           <a:prstGeom prst="rect">
             <a:avLst/>
@@ -2290,8 +2291,8 @@
         </p:nvSpPr>
         <p:spPr>
           <a:xfrm>
-            <a:off x="5152320" y="1769040"/>
-            <a:ext cx="4426560" cy="2090880"/>
+            <a:off x="5152680" y="1768680"/>
+            <a:ext cx="4426920" cy="2090880"/>
           </a:xfrm>
           <a:prstGeom prst="rect">
             <a:avLst/>
@@ -2316,8 +2317,8 @@
         </p:nvSpPr>
         <p:spPr>
           <a:xfrm>
-            <a:off x="504000" y="4059000"/>
-            <a:ext cx="9071280" cy="2090880"/>
+            <a:off x="504000" y="4058640"/>
+            <a:ext cx="9072000" cy="2090880"/>
           </a:xfrm>
           <a:prstGeom prst="rect">
             <a:avLst/>
@@ -2365,7 +2366,7 @@
         <p:spPr>
           <a:xfrm>
             <a:off x="504000" y="301320"/>
-            <a:ext cx="9071280" cy="1262160"/>
+            <a:ext cx="9070920" cy="1262160"/>
           </a:xfrm>
           <a:prstGeom prst="rect">
             <a:avLst/>
@@ -2396,8 +2397,8 @@
         </p:nvSpPr>
         <p:spPr>
           <a:xfrm>
-            <a:off x="504000" y="1768680"/>
-            <a:ext cx="9072000" cy="4384080"/>
+            <a:off x="504000" y="1769040"/>
+            <a:ext cx="9070920" cy="4383720"/>
           </a:xfrm>
           <a:prstGeom prst="rect">
             <a:avLst/>
@@ -2412,7 +2413,7 @@
               <a:buChar char=""/>
             </a:pPr>
             <a:r>
-              <a:rPr lang="en-US" sz="3200">
+              <a:rPr lang="en-US">
                 <a:latin typeface="Arial"/>
               </a:rPr>
               <a:t>Click to edit the outline text format</a:t>
@@ -2426,7 +2427,7 @@
               <a:buChar char=""/>
             </a:pPr>
             <a:r>
-              <a:rPr lang="en-US" sz="2800">
+              <a:rPr lang="en-US">
                 <a:latin typeface="Arial"/>
               </a:rPr>
               <a:t>Second Outline Level</a:t>
@@ -2440,7 +2441,7 @@
               <a:buChar char=""/>
             </a:pPr>
             <a:r>
-              <a:rPr lang="en-US" sz="2400">
+              <a:rPr lang="en-US">
                 <a:latin typeface="Arial"/>
               </a:rPr>
               <a:t>Third Outline Level</a:t>
@@ -2454,7 +2455,7 @@
               <a:buChar char=""/>
             </a:pPr>
             <a:r>
-              <a:rPr lang="en-US" sz="2000">
+              <a:rPr lang="en-US">
                 <a:latin typeface="Arial"/>
               </a:rPr>
               <a:t>Fourth Outline Level</a:t>
@@ -2468,7 +2469,7 @@
               <a:buChar char=""/>
             </a:pPr>
             <a:r>
-              <a:rPr lang="en-US" sz="2000">
+              <a:rPr lang="en-US">
                 <a:latin typeface="Arial"/>
               </a:rPr>
               <a:t>Fifth Outline Level</a:t>
@@ -2482,7 +2483,7 @@
               <a:buChar char=""/>
             </a:pPr>
             <a:r>
-              <a:rPr lang="en-US" sz="2000">
+              <a:rPr lang="en-US">
                 <a:latin typeface="Arial"/>
               </a:rPr>
               <a:t>Sixth Outline Level</a:t>
@@ -2496,7 +2497,7 @@
               <a:buChar char=""/>
             </a:pPr>
             <a:r>
-              <a:rPr lang="en-US" sz="2000">
+              <a:rPr lang="en-US">
                 <a:latin typeface="Arial"/>
               </a:rPr>
               <a:t>Seventh Outline Level</a:t>
@@ -2555,7 +2556,7 @@
         <p:spPr>
           <a:xfrm>
             <a:off x="504000" y="301320"/>
-            <a:ext cx="9071280" cy="1262160"/>
+            <a:ext cx="9072000" cy="1261800"/>
           </a:xfrm>
           <a:prstGeom prst="rect">
             <a:avLst/>
@@ -2564,8 +2565,9 @@
         <p:txBody>
           <a:bodyPr lIns="0" rIns="0" tIns="0" bIns="0" anchor="ctr"/>
           <a:p>
+            <a:pPr algn="ctr"/>
             <a:r>
-              <a:rPr lang="en-US">
+              <a:rPr lang="en-US" sz="4400">
                 <a:latin typeface="Arial"/>
               </a:rPr>
               <a:t>Click to edit the title text format</a:t>
@@ -2586,8 +2588,8 @@
         </p:nvSpPr>
         <p:spPr>
           <a:xfrm>
-            <a:off x="504000" y="1769040"/>
-            <a:ext cx="9071280" cy="4384080"/>
+            <a:off x="504000" y="1768680"/>
+            <a:ext cx="9072000" cy="4384080"/>
           </a:xfrm>
           <a:prstGeom prst="rect">
             <a:avLst/>
@@ -2602,7 +2604,7 @@
               <a:buChar char=""/>
             </a:pPr>
             <a:r>
-              <a:rPr lang="en-US">
+              <a:rPr lang="en-US" sz="3200">
                 <a:latin typeface="Arial"/>
               </a:rPr>
               <a:t>Click to edit the outline text format</a:t>
@@ -2616,7 +2618,7 @@
               <a:buChar char=""/>
             </a:pPr>
             <a:r>
-              <a:rPr lang="en-US">
+              <a:rPr lang="en-US" sz="2800">
                 <a:latin typeface="Arial"/>
               </a:rPr>
               <a:t>Second Outline Level</a:t>
@@ -2630,7 +2632,7 @@
               <a:buChar char=""/>
             </a:pPr>
             <a:r>
-              <a:rPr lang="en-US">
+              <a:rPr lang="en-US" sz="2400">
                 <a:latin typeface="Arial"/>
               </a:rPr>
               <a:t>Third Outline Level</a:t>
@@ -2644,7 +2646,7 @@
               <a:buChar char=""/>
             </a:pPr>
             <a:r>
-              <a:rPr lang="en-US">
+              <a:rPr lang="en-US" sz="2000">
                 <a:latin typeface="Arial"/>
               </a:rPr>
               <a:t>Fourth Outline Level</a:t>
@@ -2658,7 +2660,7 @@
               <a:buChar char=""/>
             </a:pPr>
             <a:r>
-              <a:rPr lang="en-US">
+              <a:rPr lang="en-US" sz="2000">
                 <a:latin typeface="Arial"/>
               </a:rPr>
               <a:t>Fifth Outline Level</a:t>
@@ -2672,7 +2674,7 @@
               <a:buChar char=""/>
             </a:pPr>
             <a:r>
-              <a:rPr lang="en-US">
+              <a:rPr lang="en-US" sz="2000">
                 <a:latin typeface="Arial"/>
               </a:rPr>
               <a:t>Sixth Outline Level</a:t>
@@ -2686,7 +2688,7 @@
               <a:buChar char=""/>
             </a:pPr>
             <a:r>
-              <a:rPr lang="en-US">
+              <a:rPr lang="en-US" sz="2000">
                 <a:latin typeface="Arial"/>
               </a:rPr>
               <a:t>Seventh Outline Level</a:t>
@@ -2741,7 +2743,7 @@
         <p:spPr>
           <a:xfrm>
             <a:off x="504000" y="301320"/>
-            <a:ext cx="9071280" cy="1261800"/>
+            <a:ext cx="9070920" cy="1261440"/>
           </a:xfrm>
           <a:prstGeom prst="rect">
             <a:avLst/>
@@ -2787,7 +2789,7 @@
         <p:spPr>
           <a:xfrm>
             <a:off x="504000" y="1769040"/>
-            <a:ext cx="9071280" cy="4384080"/>
+            <a:ext cx="9070920" cy="4383720"/>
           </a:xfrm>
           <a:prstGeom prst="rect">
             <a:avLst/>
@@ -2887,7 +2889,7 @@
         <p:spPr>
           <a:xfrm>
             <a:off x="504000" y="301320"/>
-            <a:ext cx="9071280" cy="1261800"/>
+            <a:ext cx="9070920" cy="1261440"/>
           </a:xfrm>
           <a:prstGeom prst="rect">
             <a:avLst/>
@@ -2924,7 +2926,7 @@
         <p:spPr>
           <a:xfrm>
             <a:off x="504000" y="1769040"/>
-            <a:ext cx="9071280" cy="4384080"/>
+            <a:ext cx="9070920" cy="4383720"/>
           </a:xfrm>
           <a:prstGeom prst="rect">
             <a:avLst/>
@@ -3132,7 +3134,7 @@
         <p:spPr>
           <a:xfrm>
             <a:off x="504000" y="301320"/>
-            <a:ext cx="9071280" cy="1261800"/>
+            <a:ext cx="9070920" cy="1261440"/>
           </a:xfrm>
           <a:prstGeom prst="rect">
             <a:avLst/>
@@ -3175,7 +3177,7 @@
         <p:spPr>
           <a:xfrm>
             <a:off x="2375640" y="1782000"/>
-            <a:ext cx="5333400" cy="3999960"/>
+            <a:ext cx="5333040" cy="3999600"/>
           </a:xfrm>
           <a:prstGeom prst="rect">
             <a:avLst/>
@@ -3243,7 +3245,7 @@
         <p:spPr>
           <a:xfrm>
             <a:off x="504000" y="301320"/>
-            <a:ext cx="9071280" cy="1261800"/>
+            <a:ext cx="9070920" cy="1261440"/>
           </a:xfrm>
           <a:prstGeom prst="rect">
             <a:avLst/>
@@ -3280,7 +3282,7 @@
         <p:spPr>
           <a:xfrm>
             <a:off x="504000" y="1769040"/>
-            <a:ext cx="9071280" cy="4384080"/>
+            <a:ext cx="9070920" cy="4383720"/>
           </a:xfrm>
           <a:prstGeom prst="rect">
             <a:avLst/>
@@ -3369,7 +3371,7 @@
         <p:spPr>
           <a:xfrm>
             <a:off x="504000" y="301320"/>
-            <a:ext cx="9071280" cy="1261800"/>
+            <a:ext cx="9070920" cy="1261440"/>
           </a:xfrm>
           <a:prstGeom prst="rect">
             <a:avLst/>
@@ -3395,7 +3397,7 @@
         <p:spPr>
           <a:xfrm>
             <a:off x="2116800" y="1768680"/>
-            <a:ext cx="5845320" cy="4383720"/>
+            <a:ext cx="5844960" cy="4383360"/>
           </a:xfrm>
           <a:prstGeom prst="rect">
             <a:avLst/>
@@ -3463,7 +3465,7 @@
         <p:spPr>
           <a:xfrm>
             <a:off x="504000" y="301320"/>
-            <a:ext cx="9071280" cy="1261800"/>
+            <a:ext cx="9070920" cy="1261440"/>
           </a:xfrm>
           <a:prstGeom prst="rect">
             <a:avLst/>
@@ -3500,7 +3502,7 @@
         <p:spPr>
           <a:xfrm>
             <a:off x="504000" y="1769040"/>
-            <a:ext cx="9071280" cy="4384080"/>
+            <a:ext cx="9070920" cy="4383720"/>
           </a:xfrm>
           <a:prstGeom prst="rect">
             <a:avLst/>
@@ -3580,16 +3582,63 @@
           <a:chExt cx="0" cy="0"/>
         </a:xfrm>
       </p:grpSpPr>
-      <p:sp>
-        <p:nvSpPr>
-          <p:cNvPr id="84" name="CustomShape 1"/>
+      <p:pic>
+        <p:nvPicPr>
+          <p:cNvPr id="84" name="" descr=""/>
+          <p:cNvPicPr/>
+          <p:nvPr/>
+        </p:nvPicPr>
+        <p:blipFill>
+          <a:blip r:embed="rId1"/>
+          <a:stretch>
+            <a:fillRect/>
+          </a:stretch>
+        </p:blipFill>
+        <p:spPr>
+          <a:xfrm>
+            <a:off x="2194560" y="937440"/>
+            <a:ext cx="5333760" cy="4000320"/>
+          </a:xfrm>
+          <a:prstGeom prst="rect">
+            <a:avLst/>
+          </a:prstGeom>
+          <a:ln>
+            <a:noFill/>
+          </a:ln>
+        </p:spPr>
+      </p:pic>
+    </p:spTree>
+  </p:cSld>
+</p:sld>
+</file>
+
+<file path=ppt/slides/slide8.xml><?xml version="1.0" encoding="utf-8"?>
+<p:sld xmlns:a="http://schemas.openxmlformats.org/drawingml/2006/main" xmlns:p="http://schemas.openxmlformats.org/presentationml/2006/main" xmlns:r="http://schemas.openxmlformats.org/officeDocument/2006/relationships">
+  <p:cSld>
+    <p:spTree>
+      <p:nvGrpSpPr>
+        <p:cNvPr id="1" name=""/>
+        <p:cNvGrpSpPr/>
+        <p:nvPr/>
+      </p:nvGrpSpPr>
+      <p:grpSpPr>
+        <a:xfrm>
+          <a:off x="0" y="0"/>
+          <a:ext cx="0" cy="0"/>
+          <a:chOff x="0" y="0"/>
+          <a:chExt cx="0" cy="0"/>
+        </a:xfrm>
+      </p:grpSpPr>
+      <p:sp>
+        <p:nvSpPr>
+          <p:cNvPr id="85" name="CustomShape 1"/>
           <p:cNvSpPr/>
           <p:nvPr/>
         </p:nvSpPr>
         <p:spPr>
           <a:xfrm>
             <a:off x="504000" y="301320"/>
-            <a:ext cx="9071280" cy="1261800"/>
+            <a:ext cx="9070920" cy="1261440"/>
           </a:xfrm>
           <a:prstGeom prst="rect">
             <a:avLst/>
@@ -3619,14 +3668,14 @@
       </p:sp>
       <p:sp>
         <p:nvSpPr>
-          <p:cNvPr id="85" name="CustomShape 2"/>
+          <p:cNvPr id="86" name="CustomShape 2"/>
           <p:cNvSpPr/>
           <p:nvPr/>
         </p:nvSpPr>
         <p:spPr>
           <a:xfrm>
             <a:off x="504000" y="1769040"/>
-            <a:ext cx="9071280" cy="4384080"/>
+            <a:ext cx="9070920" cy="4383720"/>
           </a:xfrm>
           <a:prstGeom prst="rect">
             <a:avLst/>
@@ -3648,10 +3697,10 @@
               <a:buChar char="l"/>
             </a:pPr>
             <a:r>
-              <a:rPr lang="en-US" sz="3200">
+              <a:rPr lang="en-US" sz="2000">
                 <a:latin typeface="Arial"/>
               </a:rPr>
-              <a:t>Overall, the GPS positioning was relatively accurate. GPS should not be used for ultra precise location services but regardless it gives a good estimate on the location. Furthermore, the noise distribution seems to be relatively even because in both cases it seemed to be coming back to the correct location. For example, while the gps was moving, it would serve left and right of the trajectory but would never veer to far of course. After veering one direction it seemed to veer the other direction which would average out to the correct line. For us the biggest factors were the scattering of the signals from the building which would be  a non-guassian distribution. Also, the position of the Satellites at that time could affect the  gps data. It depends  on how spread out the Satellites are  </a:t>
+              <a:t>Overall, the GPS positioning was relatively accurate. We were inside the CEP 50% error range. GPS should not be used for ultra precise location services but regardless it gives a good estimate on the location. Furthermore, the noise distribution seems to be relatively even because in both cases it seemed to be coming back to the correct location. For example, while the gps was moving, it would serve left and right of the trajectory but would never veer to far of course. After veering one direction it seemed to veer the other direction which would average out to the correct line. For us the biggest factors were the scattering of the signals from the building which would be  a non-guassian distribution. Also, the position of the Satellites at that time could affect the  gps data. It depends  on how spread out the Satellites are.  </a:t>
             </a:r>
             <a:endParaRPr/>
           </a:p>

--- a/homework3/Homework3.pptx
+++ b/homework3/Homework3.pptx
@@ -3609,6 +3609,33 @@
       </p:pic>
     </p:spTree>
   </p:cSld>
+  <p:timing>
+    <p:tnLst>
+      <p:par>
+        <p:cTn id="13" dur="indefinite" restart="never" nodeType="tmRoot">
+          <p:childTnLst>
+            <p:seq>
+              <p:cTn id="14" nodeType="mainSeq"/>
+              <p:prevCondLst>
+                <p:cond delay="0" evt="onPrev">
+                  <p:tgtEl>
+                    <p:sldTgt/>
+                  </p:tgtEl>
+                </p:cond>
+              </p:prevCondLst>
+              <p:nextCondLst>
+                <p:cond delay="0" evt="onNext">
+                  <p:tgtEl>
+                    <p:sldTgt/>
+                  </p:tgtEl>
+                </p:cond>
+              </p:nextCondLst>
+            </p:seq>
+          </p:childTnLst>
+        </p:cTn>
+      </p:par>
+    </p:tnLst>
+  </p:timing>
 </p:sld>
 </file>
 
@@ -3711,10 +3738,10 @@
   <p:timing>
     <p:tnLst>
       <p:par>
-        <p:cTn id="13" dur="indefinite" restart="never" nodeType="tmRoot">
+        <p:cTn id="15" dur="indefinite" restart="never" nodeType="tmRoot">
           <p:childTnLst>
             <p:seq>
-              <p:cTn id="14" nodeType="mainSeq"/>
+              <p:cTn id="16" nodeType="mainSeq"/>
               <p:prevCondLst>
                 <p:cond delay="0" evt="onPrev">
                   <p:tgtEl>
